--- a/Experiment_Report/drafts.pptx
+++ b/Experiment_Report/drafts.pptx
@@ -14,6 +14,8 @@
     <p:sldId id="262" r:id="rId8"/>
     <p:sldId id="263" r:id="rId9"/>
     <p:sldId id="264" r:id="rId10"/>
+    <p:sldId id="265" r:id="rId11"/>
+    <p:sldId id="266" r:id="rId12"/>
   </p:sldIdLst>
   <p:sldSz cx="6858000" cy="12192000"/>
   <p:notesSz cx="6858000" cy="9144000"/>
@@ -3396,6 +3398,3000 @@
 </p:sld>
 </file>
 
+<file path=ppt/slides/slide10.xml><?xml version="1.0" encoding="utf-8"?>
+<p:sld xmlns:a="http://schemas.openxmlformats.org/drawingml/2006/main" xmlns:r="http://schemas.openxmlformats.org/officeDocument/2006/relationships" xmlns:p="http://schemas.openxmlformats.org/presentationml/2006/main">
+  <p:cSld>
+    <p:spTree>
+      <p:nvGrpSpPr>
+        <p:cNvPr id="1" name=""/>
+        <p:cNvGrpSpPr/>
+        <p:nvPr/>
+      </p:nvGrpSpPr>
+      <p:grpSpPr>
+        <a:xfrm>
+          <a:off x="0" y="0"/>
+          <a:ext cx="0" cy="0"/>
+          <a:chOff x="0" y="0"/>
+          <a:chExt cx="0" cy="0"/>
+        </a:xfrm>
+      </p:grpSpPr>
+      <p:sp>
+        <p:nvSpPr>
+          <p:cNvPr id="4" name="圆角矩形 3"/>
+          <p:cNvSpPr/>
+          <p:nvPr/>
+        </p:nvSpPr>
+        <p:spPr>
+          <a:xfrm>
+            <a:off x="1337733" y="514079"/>
+            <a:ext cx="2438400" cy="254000"/>
+          </a:xfrm>
+          <a:prstGeom prst="roundRect">
+            <a:avLst/>
+          </a:prstGeom>
+        </p:spPr>
+        <p:style>
+          <a:lnRef idx="2">
+            <a:schemeClr val="dk1"/>
+          </a:lnRef>
+          <a:fillRef idx="1">
+            <a:schemeClr val="lt1"/>
+          </a:fillRef>
+          <a:effectRef idx="0">
+            <a:schemeClr val="dk1"/>
+          </a:effectRef>
+          <a:fontRef idx="minor">
+            <a:schemeClr val="dk1"/>
+          </a:fontRef>
+        </p:style>
+        <p:txBody>
+          <a:bodyPr rtlCol="0" anchor="ctr"/>
+          <a:lstStyle/>
+          <a:p>
+            <a:pPr algn="ctr"/>
+            <a:r>
+              <a:rPr lang="zh-CN" altLang="en-US" sz="1200" dirty="0" smtClean="0">
+                <a:latin typeface="宋体" panose="02010600030101010101" pitchFamily="2" charset="-122"/>
+                <a:ea typeface="宋体" panose="02010600030101010101" pitchFamily="2" charset="-122"/>
+              </a:rPr>
+              <a:t>进入</a:t>
+            </a:r>
+            <a:r>
+              <a:rPr lang="en-US" altLang="zh-CN" sz="1200" dirty="0" err="1" smtClean="0">
+                <a:latin typeface="宋体" panose="02010600030101010101" pitchFamily="2" charset="-122"/>
+                <a:ea typeface="宋体" panose="02010600030101010101" pitchFamily="2" charset="-122"/>
+              </a:rPr>
+              <a:t>getTeamByTeacherNum</a:t>
+            </a:r>
+            <a:r>
+              <a:rPr lang="en-US" altLang="zh-CN" sz="1200" dirty="0" smtClean="0">
+                <a:latin typeface="宋体" panose="02010600030101010101" pitchFamily="2" charset="-122"/>
+                <a:ea typeface="宋体" panose="02010600030101010101" pitchFamily="2" charset="-122"/>
+              </a:rPr>
+              <a:t>()</a:t>
+            </a:r>
+            <a:r>
+              <a:rPr lang="zh-CN" altLang="en-US" sz="1200" dirty="0" smtClean="0">
+                <a:latin typeface="宋体" panose="02010600030101010101" pitchFamily="2" charset="-122"/>
+                <a:ea typeface="宋体" panose="02010600030101010101" pitchFamily="2" charset="-122"/>
+              </a:rPr>
+              <a:t>函数</a:t>
+            </a:r>
+            <a:endParaRPr lang="zh-CN" altLang="en-US" sz="1200" dirty="0">
+              <a:latin typeface="宋体" panose="02010600030101010101" pitchFamily="2" charset="-122"/>
+              <a:ea typeface="宋体" panose="02010600030101010101" pitchFamily="2" charset="-122"/>
+            </a:endParaRPr>
+          </a:p>
+        </p:txBody>
+      </p:sp>
+      <p:sp>
+        <p:nvSpPr>
+          <p:cNvPr id="5" name="圆角矩形 4"/>
+          <p:cNvSpPr/>
+          <p:nvPr/>
+        </p:nvSpPr>
+        <p:spPr>
+          <a:xfrm>
+            <a:off x="1756833" y="1005145"/>
+            <a:ext cx="1600200" cy="254000"/>
+          </a:xfrm>
+          <a:prstGeom prst="roundRect">
+            <a:avLst/>
+          </a:prstGeom>
+        </p:spPr>
+        <p:style>
+          <a:lnRef idx="2">
+            <a:schemeClr val="dk1"/>
+          </a:lnRef>
+          <a:fillRef idx="1">
+            <a:schemeClr val="lt1"/>
+          </a:fillRef>
+          <a:effectRef idx="0">
+            <a:schemeClr val="dk1"/>
+          </a:effectRef>
+          <a:fontRef idx="minor">
+            <a:schemeClr val="dk1"/>
+          </a:fontRef>
+        </p:style>
+        <p:txBody>
+          <a:bodyPr rtlCol="0" anchor="ctr"/>
+          <a:lstStyle/>
+          <a:p>
+            <a:pPr algn="ctr"/>
+            <a:r>
+              <a:rPr lang="zh-CN" altLang="en-US" sz="1200" dirty="0" smtClean="0">
+                <a:latin typeface="宋体" panose="02010600030101010101" pitchFamily="2" charset="-122"/>
+                <a:ea typeface="宋体" panose="02010600030101010101" pitchFamily="2" charset="-122"/>
+              </a:rPr>
+              <a:t>创建搜索结果挂载点</a:t>
+            </a:r>
+            <a:endParaRPr lang="zh-CN" altLang="en-US" sz="1200" dirty="0">
+              <a:latin typeface="宋体" panose="02010600030101010101" pitchFamily="2" charset="-122"/>
+              <a:ea typeface="宋体" panose="02010600030101010101" pitchFamily="2" charset="-122"/>
+            </a:endParaRPr>
+          </a:p>
+        </p:txBody>
+      </p:sp>
+      <p:cxnSp>
+        <p:nvCxnSpPr>
+          <p:cNvPr id="7" name="直接箭头连接符 6"/>
+          <p:cNvCxnSpPr>
+            <a:stCxn id="4" idx="2"/>
+            <a:endCxn id="5" idx="0"/>
+          </p:cNvCxnSpPr>
+          <p:nvPr/>
+        </p:nvCxnSpPr>
+        <p:spPr>
+          <a:xfrm>
+            <a:off x="2556933" y="768079"/>
+            <a:ext cx="0" cy="237066"/>
+          </a:xfrm>
+          <a:prstGeom prst="straightConnector1">
+            <a:avLst/>
+          </a:prstGeom>
+          <a:ln w="12700">
+            <a:tailEnd type="triangle"/>
+          </a:ln>
+        </p:spPr>
+        <p:style>
+          <a:lnRef idx="1">
+            <a:schemeClr val="dk1"/>
+          </a:lnRef>
+          <a:fillRef idx="0">
+            <a:schemeClr val="dk1"/>
+          </a:fillRef>
+          <a:effectRef idx="0">
+            <a:schemeClr val="dk1"/>
+          </a:effectRef>
+          <a:fontRef idx="minor">
+            <a:schemeClr val="tx1"/>
+          </a:fontRef>
+        </p:style>
+      </p:cxnSp>
+      <p:sp>
+        <p:nvSpPr>
+          <p:cNvPr id="10" name="流程图: 决策 9"/>
+          <p:cNvSpPr/>
+          <p:nvPr/>
+        </p:nvSpPr>
+        <p:spPr>
+          <a:xfrm>
+            <a:off x="1751545" y="1496211"/>
+            <a:ext cx="1605488" cy="827132"/>
+          </a:xfrm>
+          <a:prstGeom prst="flowChartDecision">
+            <a:avLst/>
+          </a:prstGeom>
+        </p:spPr>
+        <p:style>
+          <a:lnRef idx="2">
+            <a:schemeClr val="dk1"/>
+          </a:lnRef>
+          <a:fillRef idx="1">
+            <a:schemeClr val="lt1"/>
+          </a:fillRef>
+          <a:effectRef idx="0">
+            <a:schemeClr val="dk1"/>
+          </a:effectRef>
+          <a:fontRef idx="minor">
+            <a:schemeClr val="dk1"/>
+          </a:fontRef>
+        </p:style>
+        <p:txBody>
+          <a:bodyPr rtlCol="0" anchor="ctr"/>
+          <a:lstStyle/>
+          <a:p>
+            <a:pPr lvl="0" algn="ctr"/>
+            <a:r>
+              <a:rPr lang="zh-CN" altLang="en-US" sz="1200" dirty="0" smtClean="0">
+                <a:solidFill>
+                  <a:prstClr val="black"/>
+                </a:solidFill>
+                <a:latin typeface="宋体" panose="02010600030101010101" pitchFamily="2" charset="-122"/>
+                <a:ea typeface="宋体" panose="02010600030101010101" pitchFamily="2" charset="-122"/>
+              </a:rPr>
+              <a:t>检查传入链表是否有数据？</a:t>
+            </a:r>
+            <a:endParaRPr lang="zh-CN" altLang="en-US" sz="1200" dirty="0">
+              <a:solidFill>
+                <a:prstClr val="black"/>
+              </a:solidFill>
+              <a:latin typeface="宋体" panose="02010600030101010101" pitchFamily="2" charset="-122"/>
+              <a:ea typeface="宋体" panose="02010600030101010101" pitchFamily="2" charset="-122"/>
+            </a:endParaRPr>
+          </a:p>
+        </p:txBody>
+      </p:sp>
+      <p:cxnSp>
+        <p:nvCxnSpPr>
+          <p:cNvPr id="11" name="直接箭头连接符 10"/>
+          <p:cNvCxnSpPr>
+            <a:stCxn id="5" idx="2"/>
+            <a:endCxn id="10" idx="0"/>
+          </p:cNvCxnSpPr>
+          <p:nvPr/>
+        </p:nvCxnSpPr>
+        <p:spPr>
+          <a:xfrm flipH="1">
+            <a:off x="2554289" y="1259145"/>
+            <a:ext cx="2644" cy="237066"/>
+          </a:xfrm>
+          <a:prstGeom prst="straightConnector1">
+            <a:avLst/>
+          </a:prstGeom>
+          <a:ln w="12700">
+            <a:tailEnd type="triangle"/>
+          </a:ln>
+        </p:spPr>
+        <p:style>
+          <a:lnRef idx="1">
+            <a:schemeClr val="dk1"/>
+          </a:lnRef>
+          <a:fillRef idx="0">
+            <a:schemeClr val="dk1"/>
+          </a:fillRef>
+          <a:effectRef idx="0">
+            <a:schemeClr val="dk1"/>
+          </a:effectRef>
+          <a:fontRef idx="minor">
+            <a:schemeClr val="tx1"/>
+          </a:fontRef>
+        </p:style>
+      </p:cxnSp>
+      <p:sp>
+        <p:nvSpPr>
+          <p:cNvPr id="16" name="圆角矩形 15"/>
+          <p:cNvSpPr/>
+          <p:nvPr/>
+        </p:nvSpPr>
+        <p:spPr>
+          <a:xfrm>
+            <a:off x="1707095" y="2560409"/>
+            <a:ext cx="1694388" cy="254000"/>
+          </a:xfrm>
+          <a:prstGeom prst="roundRect">
+            <a:avLst/>
+          </a:prstGeom>
+        </p:spPr>
+        <p:style>
+          <a:lnRef idx="2">
+            <a:schemeClr val="dk1"/>
+          </a:lnRef>
+          <a:fillRef idx="1">
+            <a:schemeClr val="lt1"/>
+          </a:fillRef>
+          <a:effectRef idx="0">
+            <a:schemeClr val="dk1"/>
+          </a:effectRef>
+          <a:fontRef idx="minor">
+            <a:schemeClr val="dk1"/>
+          </a:fontRef>
+        </p:style>
+        <p:txBody>
+          <a:bodyPr rtlCol="0" anchor="ctr"/>
+          <a:lstStyle/>
+          <a:p>
+            <a:pPr algn="ctr"/>
+            <a:r>
+              <a:rPr lang="zh-CN" altLang="en-US" sz="1200" dirty="0" smtClean="0">
+                <a:latin typeface="宋体" panose="02010600030101010101" pitchFamily="2" charset="-122"/>
+                <a:ea typeface="宋体" panose="02010600030101010101" pitchFamily="2" charset="-122"/>
+              </a:rPr>
+              <a:t>设定判断函数</a:t>
+            </a:r>
+            <a:r>
+              <a:rPr lang="en-US" altLang="zh-CN" sz="1200" dirty="0" smtClean="0">
+                <a:latin typeface="宋体" panose="02010600030101010101" pitchFamily="2" charset="-122"/>
+                <a:ea typeface="宋体" panose="02010600030101010101" pitchFamily="2" charset="-122"/>
+              </a:rPr>
+              <a:t>judger()</a:t>
+            </a:r>
+            <a:endParaRPr lang="zh-CN" altLang="en-US" sz="1200" dirty="0">
+              <a:latin typeface="宋体" panose="02010600030101010101" pitchFamily="2" charset="-122"/>
+              <a:ea typeface="宋体" panose="02010600030101010101" pitchFamily="2" charset="-122"/>
+            </a:endParaRPr>
+          </a:p>
+        </p:txBody>
+      </p:sp>
+      <p:sp>
+        <p:nvSpPr>
+          <p:cNvPr id="17" name="流程图: 决策 16"/>
+          <p:cNvSpPr/>
+          <p:nvPr/>
+        </p:nvSpPr>
+        <p:spPr>
+          <a:xfrm>
+            <a:off x="1990728" y="3542541"/>
+            <a:ext cx="1127121" cy="555343"/>
+          </a:xfrm>
+          <a:prstGeom prst="flowChartDecision">
+            <a:avLst/>
+          </a:prstGeom>
+        </p:spPr>
+        <p:style>
+          <a:lnRef idx="2">
+            <a:schemeClr val="dk1"/>
+          </a:lnRef>
+          <a:fillRef idx="1">
+            <a:schemeClr val="lt1"/>
+          </a:fillRef>
+          <a:effectRef idx="0">
+            <a:schemeClr val="dk1"/>
+          </a:effectRef>
+          <a:fontRef idx="minor">
+            <a:schemeClr val="dk1"/>
+          </a:fontRef>
+        </p:style>
+        <p:txBody>
+          <a:bodyPr rtlCol="0" anchor="ctr"/>
+          <a:lstStyle/>
+          <a:p>
+            <a:pPr lvl="0" algn="ctr"/>
+            <a:r>
+              <a:rPr lang="zh-CN" altLang="en-US" sz="1200" dirty="0" smtClean="0">
+                <a:solidFill>
+                  <a:prstClr val="black"/>
+                </a:solidFill>
+                <a:latin typeface="宋体" panose="02010600030101010101" pitchFamily="2" charset="-122"/>
+                <a:ea typeface="宋体" panose="02010600030101010101" pitchFamily="2" charset="-122"/>
+              </a:rPr>
+              <a:t>遍历完毕？</a:t>
+            </a:r>
+            <a:endParaRPr lang="zh-CN" altLang="en-US" sz="1200" dirty="0">
+              <a:solidFill>
+                <a:prstClr val="black"/>
+              </a:solidFill>
+              <a:latin typeface="宋体" panose="02010600030101010101" pitchFamily="2" charset="-122"/>
+              <a:ea typeface="宋体" panose="02010600030101010101" pitchFamily="2" charset="-122"/>
+            </a:endParaRPr>
+          </a:p>
+        </p:txBody>
+      </p:sp>
+      <p:sp>
+        <p:nvSpPr>
+          <p:cNvPr id="18" name="圆角矩形 17"/>
+          <p:cNvSpPr/>
+          <p:nvPr/>
+        </p:nvSpPr>
+        <p:spPr>
+          <a:xfrm>
+            <a:off x="1837270" y="3051475"/>
+            <a:ext cx="1434038" cy="254000"/>
+          </a:xfrm>
+          <a:prstGeom prst="roundRect">
+            <a:avLst/>
+          </a:prstGeom>
+        </p:spPr>
+        <p:style>
+          <a:lnRef idx="2">
+            <a:schemeClr val="dk1"/>
+          </a:lnRef>
+          <a:fillRef idx="1">
+            <a:schemeClr val="lt1"/>
+          </a:fillRef>
+          <a:effectRef idx="0">
+            <a:schemeClr val="dk1"/>
+          </a:effectRef>
+          <a:fontRef idx="minor">
+            <a:schemeClr val="dk1"/>
+          </a:fontRef>
+        </p:style>
+        <p:txBody>
+          <a:bodyPr rtlCol="0" anchor="ctr"/>
+          <a:lstStyle/>
+          <a:p>
+            <a:pPr algn="ctr"/>
+            <a:r>
+              <a:rPr lang="zh-CN" altLang="en-US" sz="1200" dirty="0" smtClean="0">
+                <a:latin typeface="宋体" panose="02010600030101010101" pitchFamily="2" charset="-122"/>
+                <a:ea typeface="宋体" panose="02010600030101010101" pitchFamily="2" charset="-122"/>
+              </a:rPr>
+              <a:t>开始遍历团队链表</a:t>
+            </a:r>
+            <a:endParaRPr lang="zh-CN" altLang="en-US" sz="1200" dirty="0">
+              <a:latin typeface="宋体" panose="02010600030101010101" pitchFamily="2" charset="-122"/>
+              <a:ea typeface="宋体" panose="02010600030101010101" pitchFamily="2" charset="-122"/>
+            </a:endParaRPr>
+          </a:p>
+        </p:txBody>
+      </p:sp>
+      <p:cxnSp>
+        <p:nvCxnSpPr>
+          <p:cNvPr id="19" name="直接箭头连接符 18"/>
+          <p:cNvCxnSpPr>
+            <a:stCxn id="10" idx="2"/>
+            <a:endCxn id="16" idx="0"/>
+          </p:cNvCxnSpPr>
+          <p:nvPr/>
+        </p:nvCxnSpPr>
+        <p:spPr>
+          <a:xfrm>
+            <a:off x="2554289" y="2323343"/>
+            <a:ext cx="0" cy="237066"/>
+          </a:xfrm>
+          <a:prstGeom prst="straightConnector1">
+            <a:avLst/>
+          </a:prstGeom>
+          <a:ln w="12700">
+            <a:tailEnd type="triangle"/>
+          </a:ln>
+        </p:spPr>
+        <p:style>
+          <a:lnRef idx="1">
+            <a:schemeClr val="dk1"/>
+          </a:lnRef>
+          <a:fillRef idx="0">
+            <a:schemeClr val="dk1"/>
+          </a:fillRef>
+          <a:effectRef idx="0">
+            <a:schemeClr val="dk1"/>
+          </a:effectRef>
+          <a:fontRef idx="minor">
+            <a:schemeClr val="tx1"/>
+          </a:fontRef>
+        </p:style>
+      </p:cxnSp>
+      <p:cxnSp>
+        <p:nvCxnSpPr>
+          <p:cNvPr id="22" name="直接箭头连接符 21"/>
+          <p:cNvCxnSpPr>
+            <a:stCxn id="16" idx="2"/>
+            <a:endCxn id="18" idx="0"/>
+          </p:cNvCxnSpPr>
+          <p:nvPr/>
+        </p:nvCxnSpPr>
+        <p:spPr>
+          <a:xfrm>
+            <a:off x="2554289" y="2814409"/>
+            <a:ext cx="0" cy="237066"/>
+          </a:xfrm>
+          <a:prstGeom prst="straightConnector1">
+            <a:avLst/>
+          </a:prstGeom>
+          <a:ln w="12700">
+            <a:tailEnd type="triangle"/>
+          </a:ln>
+        </p:spPr>
+        <p:style>
+          <a:lnRef idx="1">
+            <a:schemeClr val="dk1"/>
+          </a:lnRef>
+          <a:fillRef idx="0">
+            <a:schemeClr val="dk1"/>
+          </a:fillRef>
+          <a:effectRef idx="0">
+            <a:schemeClr val="dk1"/>
+          </a:effectRef>
+          <a:fontRef idx="minor">
+            <a:schemeClr val="tx1"/>
+          </a:fontRef>
+        </p:style>
+      </p:cxnSp>
+      <p:cxnSp>
+        <p:nvCxnSpPr>
+          <p:cNvPr id="25" name="直接箭头连接符 24"/>
+          <p:cNvCxnSpPr>
+            <a:stCxn id="18" idx="2"/>
+            <a:endCxn id="17" idx="0"/>
+          </p:cNvCxnSpPr>
+          <p:nvPr/>
+        </p:nvCxnSpPr>
+        <p:spPr>
+          <a:xfrm>
+            <a:off x="2554289" y="3305475"/>
+            <a:ext cx="0" cy="237066"/>
+          </a:xfrm>
+          <a:prstGeom prst="straightConnector1">
+            <a:avLst/>
+          </a:prstGeom>
+          <a:ln w="12700">
+            <a:tailEnd type="triangle"/>
+          </a:ln>
+        </p:spPr>
+        <p:style>
+          <a:lnRef idx="1">
+            <a:schemeClr val="dk1"/>
+          </a:lnRef>
+          <a:fillRef idx="0">
+            <a:schemeClr val="dk1"/>
+          </a:fillRef>
+          <a:effectRef idx="0">
+            <a:schemeClr val="dk1"/>
+          </a:effectRef>
+          <a:fontRef idx="minor">
+            <a:schemeClr val="tx1"/>
+          </a:fontRef>
+        </p:style>
+      </p:cxnSp>
+      <p:sp>
+        <p:nvSpPr>
+          <p:cNvPr id="29" name="流程图: 决策 28"/>
+          <p:cNvSpPr/>
+          <p:nvPr/>
+        </p:nvSpPr>
+        <p:spPr>
+          <a:xfrm>
+            <a:off x="1725086" y="4339281"/>
+            <a:ext cx="1658406" cy="689937"/>
+          </a:xfrm>
+          <a:prstGeom prst="flowChartDecision">
+            <a:avLst/>
+          </a:prstGeom>
+        </p:spPr>
+        <p:style>
+          <a:lnRef idx="2">
+            <a:schemeClr val="dk1"/>
+          </a:lnRef>
+          <a:fillRef idx="1">
+            <a:schemeClr val="lt1"/>
+          </a:fillRef>
+          <a:effectRef idx="0">
+            <a:schemeClr val="dk1"/>
+          </a:effectRef>
+          <a:fontRef idx="minor">
+            <a:schemeClr val="dk1"/>
+          </a:fontRef>
+        </p:style>
+        <p:txBody>
+          <a:bodyPr rtlCol="0" anchor="ctr"/>
+          <a:lstStyle/>
+          <a:p>
+            <a:pPr lvl="0" algn="ctr"/>
+            <a:r>
+              <a:rPr lang="zh-CN" altLang="en-US" sz="1200" dirty="0" smtClean="0">
+                <a:solidFill>
+                  <a:prstClr val="black"/>
+                </a:solidFill>
+                <a:latin typeface="宋体" panose="02010600030101010101" pitchFamily="2" charset="-122"/>
+                <a:ea typeface="宋体" panose="02010600030101010101" pitchFamily="2" charset="-122"/>
+              </a:rPr>
+              <a:t>当前团队满足搜索条件？</a:t>
+            </a:r>
+            <a:endParaRPr lang="zh-CN" altLang="en-US" sz="1200" dirty="0">
+              <a:solidFill>
+                <a:prstClr val="black"/>
+              </a:solidFill>
+              <a:latin typeface="宋体" panose="02010600030101010101" pitchFamily="2" charset="-122"/>
+              <a:ea typeface="宋体" panose="02010600030101010101" pitchFamily="2" charset="-122"/>
+            </a:endParaRPr>
+          </a:p>
+        </p:txBody>
+      </p:sp>
+      <p:cxnSp>
+        <p:nvCxnSpPr>
+          <p:cNvPr id="30" name="直接箭头连接符 29"/>
+          <p:cNvCxnSpPr>
+            <a:stCxn id="17" idx="2"/>
+            <a:endCxn id="29" idx="0"/>
+          </p:cNvCxnSpPr>
+          <p:nvPr/>
+        </p:nvCxnSpPr>
+        <p:spPr>
+          <a:xfrm>
+            <a:off x="2554289" y="4097884"/>
+            <a:ext cx="0" cy="241397"/>
+          </a:xfrm>
+          <a:prstGeom prst="straightConnector1">
+            <a:avLst/>
+          </a:prstGeom>
+          <a:ln w="12700">
+            <a:tailEnd type="triangle"/>
+          </a:ln>
+        </p:spPr>
+        <p:style>
+          <a:lnRef idx="1">
+            <a:schemeClr val="dk1"/>
+          </a:lnRef>
+          <a:fillRef idx="0">
+            <a:schemeClr val="dk1"/>
+          </a:fillRef>
+          <a:effectRef idx="0">
+            <a:schemeClr val="dk1"/>
+          </a:effectRef>
+          <a:fontRef idx="minor">
+            <a:schemeClr val="tx1"/>
+          </a:fontRef>
+        </p:style>
+      </p:cxnSp>
+      <p:cxnSp>
+        <p:nvCxnSpPr>
+          <p:cNvPr id="33" name="肘形连接符 32"/>
+          <p:cNvCxnSpPr>
+            <a:stCxn id="29" idx="1"/>
+            <a:endCxn id="17" idx="1"/>
+          </p:cNvCxnSpPr>
+          <p:nvPr/>
+        </p:nvCxnSpPr>
+        <p:spPr>
+          <a:xfrm rot="10800000" flipH="1">
+            <a:off x="1725086" y="3820214"/>
+            <a:ext cx="265642" cy="864037"/>
+          </a:xfrm>
+          <a:prstGeom prst="bentConnector3">
+            <a:avLst>
+              <a:gd name="adj1" fmla="val -105180"/>
+            </a:avLst>
+          </a:prstGeom>
+          <a:ln w="12700">
+            <a:tailEnd type="triangle"/>
+          </a:ln>
+        </p:spPr>
+        <p:style>
+          <a:lnRef idx="1">
+            <a:schemeClr val="dk1"/>
+          </a:lnRef>
+          <a:fillRef idx="0">
+            <a:schemeClr val="dk1"/>
+          </a:fillRef>
+          <a:effectRef idx="0">
+            <a:schemeClr val="dk1"/>
+          </a:effectRef>
+          <a:fontRef idx="minor">
+            <a:schemeClr val="tx1"/>
+          </a:fontRef>
+        </p:style>
+      </p:cxnSp>
+      <p:sp>
+        <p:nvSpPr>
+          <p:cNvPr id="37" name="文本框 36"/>
+          <p:cNvSpPr txBox="1"/>
+          <p:nvPr/>
+        </p:nvSpPr>
+        <p:spPr>
+          <a:xfrm>
+            <a:off x="2483047" y="4968214"/>
+            <a:ext cx="408125" cy="276999"/>
+          </a:xfrm>
+          <a:prstGeom prst="rect">
+            <a:avLst/>
+          </a:prstGeom>
+          <a:noFill/>
+        </p:spPr>
+        <p:txBody>
+          <a:bodyPr wrap="none" rtlCol="0">
+            <a:spAutoFit/>
+          </a:bodyPr>
+          <a:lstStyle/>
+          <a:p>
+            <a:r>
+              <a:rPr lang="en-US" altLang="zh-CN" sz="1200" dirty="0" smtClean="0">
+                <a:latin typeface="Times New Roman" panose="02020603050405020304" pitchFamily="18" charset="0"/>
+                <a:ea typeface="宋体" panose="02010600030101010101" pitchFamily="2" charset="-122"/>
+                <a:cs typeface="Times New Roman" panose="02020603050405020304" pitchFamily="18" charset="0"/>
+              </a:rPr>
+              <a:t>Yes</a:t>
+            </a:r>
+            <a:endParaRPr lang="zh-CN" altLang="en-US" sz="1200" dirty="0">
+              <a:latin typeface="Times New Roman" panose="02020603050405020304" pitchFamily="18" charset="0"/>
+              <a:ea typeface="宋体" panose="02010600030101010101" pitchFamily="2" charset="-122"/>
+              <a:cs typeface="Times New Roman" panose="02020603050405020304" pitchFamily="18" charset="0"/>
+            </a:endParaRPr>
+          </a:p>
+        </p:txBody>
+      </p:sp>
+      <p:sp>
+        <p:nvSpPr>
+          <p:cNvPr id="38" name="文本框 37"/>
+          <p:cNvSpPr txBox="1"/>
+          <p:nvPr/>
+        </p:nvSpPr>
+        <p:spPr>
+          <a:xfrm>
+            <a:off x="1475397" y="4457814"/>
+            <a:ext cx="372218" cy="276999"/>
+          </a:xfrm>
+          <a:prstGeom prst="rect">
+            <a:avLst/>
+          </a:prstGeom>
+          <a:noFill/>
+        </p:spPr>
+        <p:txBody>
+          <a:bodyPr wrap="none" rtlCol="0">
+            <a:spAutoFit/>
+          </a:bodyPr>
+          <a:lstStyle/>
+          <a:p>
+            <a:r>
+              <a:rPr lang="en-US" altLang="zh-CN" sz="1200" dirty="0" smtClean="0">
+                <a:latin typeface="Times New Roman" panose="02020603050405020304" pitchFamily="18" charset="0"/>
+                <a:ea typeface="宋体" panose="02010600030101010101" pitchFamily="2" charset="-122"/>
+                <a:cs typeface="Times New Roman" panose="02020603050405020304" pitchFamily="18" charset="0"/>
+              </a:rPr>
+              <a:t>No</a:t>
+            </a:r>
+            <a:endParaRPr lang="zh-CN" altLang="en-US" sz="1200" dirty="0">
+              <a:latin typeface="Times New Roman" panose="02020603050405020304" pitchFamily="18" charset="0"/>
+              <a:ea typeface="宋体" panose="02010600030101010101" pitchFamily="2" charset="-122"/>
+              <a:cs typeface="Times New Roman" panose="02020603050405020304" pitchFamily="18" charset="0"/>
+            </a:endParaRPr>
+          </a:p>
+        </p:txBody>
+      </p:sp>
+      <p:sp>
+        <p:nvSpPr>
+          <p:cNvPr id="39" name="文本框 38"/>
+          <p:cNvSpPr txBox="1"/>
+          <p:nvPr/>
+        </p:nvSpPr>
+        <p:spPr>
+          <a:xfrm>
+            <a:off x="2501001" y="4027354"/>
+            <a:ext cx="372218" cy="276999"/>
+          </a:xfrm>
+          <a:prstGeom prst="rect">
+            <a:avLst/>
+          </a:prstGeom>
+          <a:noFill/>
+        </p:spPr>
+        <p:txBody>
+          <a:bodyPr wrap="none" rtlCol="0">
+            <a:spAutoFit/>
+          </a:bodyPr>
+          <a:lstStyle/>
+          <a:p>
+            <a:r>
+              <a:rPr lang="en-US" altLang="zh-CN" sz="1200" dirty="0" smtClean="0">
+                <a:latin typeface="Times New Roman" panose="02020603050405020304" pitchFamily="18" charset="0"/>
+                <a:ea typeface="宋体" panose="02010600030101010101" pitchFamily="2" charset="-122"/>
+                <a:cs typeface="Times New Roman" panose="02020603050405020304" pitchFamily="18" charset="0"/>
+              </a:rPr>
+              <a:t>No</a:t>
+            </a:r>
+            <a:endParaRPr lang="zh-CN" altLang="en-US" sz="1200" dirty="0">
+              <a:latin typeface="Times New Roman" panose="02020603050405020304" pitchFamily="18" charset="0"/>
+              <a:ea typeface="宋体" panose="02010600030101010101" pitchFamily="2" charset="-122"/>
+              <a:cs typeface="Times New Roman" panose="02020603050405020304" pitchFamily="18" charset="0"/>
+            </a:endParaRPr>
+          </a:p>
+        </p:txBody>
+      </p:sp>
+      <p:sp>
+        <p:nvSpPr>
+          <p:cNvPr id="40" name="圆角矩形 39"/>
+          <p:cNvSpPr/>
+          <p:nvPr/>
+        </p:nvSpPr>
+        <p:spPr>
+          <a:xfrm>
+            <a:off x="1983053" y="5270615"/>
+            <a:ext cx="1142469" cy="425741"/>
+          </a:xfrm>
+          <a:prstGeom prst="roundRect">
+            <a:avLst/>
+          </a:prstGeom>
+        </p:spPr>
+        <p:style>
+          <a:lnRef idx="2">
+            <a:schemeClr val="dk1"/>
+          </a:lnRef>
+          <a:fillRef idx="1">
+            <a:schemeClr val="lt1"/>
+          </a:fillRef>
+          <a:effectRef idx="0">
+            <a:schemeClr val="dk1"/>
+          </a:effectRef>
+          <a:fontRef idx="minor">
+            <a:schemeClr val="dk1"/>
+          </a:fontRef>
+        </p:style>
+        <p:txBody>
+          <a:bodyPr rtlCol="0" anchor="ctr"/>
+          <a:lstStyle/>
+          <a:p>
+            <a:pPr algn="ctr"/>
+            <a:r>
+              <a:rPr lang="zh-CN" altLang="en-US" sz="1200" dirty="0" smtClean="0">
+                <a:latin typeface="宋体" panose="02010600030101010101" pitchFamily="2" charset="-122"/>
+                <a:ea typeface="宋体" panose="02010600030101010101" pitchFamily="2" charset="-122"/>
+              </a:rPr>
+              <a:t>向搜索结果链添加结果项</a:t>
+            </a:r>
+            <a:endParaRPr lang="zh-CN" altLang="en-US" sz="1200" dirty="0">
+              <a:latin typeface="宋体" panose="02010600030101010101" pitchFamily="2" charset="-122"/>
+              <a:ea typeface="宋体" panose="02010600030101010101" pitchFamily="2" charset="-122"/>
+            </a:endParaRPr>
+          </a:p>
+        </p:txBody>
+      </p:sp>
+      <p:cxnSp>
+        <p:nvCxnSpPr>
+          <p:cNvPr id="41" name="直接箭头连接符 40"/>
+          <p:cNvCxnSpPr>
+            <a:stCxn id="29" idx="2"/>
+            <a:endCxn id="40" idx="0"/>
+          </p:cNvCxnSpPr>
+          <p:nvPr/>
+        </p:nvCxnSpPr>
+        <p:spPr>
+          <a:xfrm flipH="1">
+            <a:off x="2554288" y="5029218"/>
+            <a:ext cx="1" cy="241397"/>
+          </a:xfrm>
+          <a:prstGeom prst="straightConnector1">
+            <a:avLst/>
+          </a:prstGeom>
+          <a:ln w="12700">
+            <a:tailEnd type="triangle"/>
+          </a:ln>
+        </p:spPr>
+        <p:style>
+          <a:lnRef idx="1">
+            <a:schemeClr val="dk1"/>
+          </a:lnRef>
+          <a:fillRef idx="0">
+            <a:schemeClr val="dk1"/>
+          </a:fillRef>
+          <a:effectRef idx="0">
+            <a:schemeClr val="dk1"/>
+          </a:effectRef>
+          <a:fontRef idx="minor">
+            <a:schemeClr val="tx1"/>
+          </a:fontRef>
+        </p:style>
+      </p:cxnSp>
+      <p:sp>
+        <p:nvSpPr>
+          <p:cNvPr id="47" name="圆角矩形 46"/>
+          <p:cNvSpPr/>
+          <p:nvPr/>
+        </p:nvSpPr>
+        <p:spPr>
+          <a:xfrm>
+            <a:off x="1983053" y="6140955"/>
+            <a:ext cx="1142469" cy="425741"/>
+          </a:xfrm>
+          <a:prstGeom prst="roundRect">
+            <a:avLst/>
+          </a:prstGeom>
+        </p:spPr>
+        <p:style>
+          <a:lnRef idx="2">
+            <a:schemeClr val="dk1"/>
+          </a:lnRef>
+          <a:fillRef idx="1">
+            <a:schemeClr val="lt1"/>
+          </a:fillRef>
+          <a:effectRef idx="0">
+            <a:schemeClr val="dk1"/>
+          </a:effectRef>
+          <a:fontRef idx="minor">
+            <a:schemeClr val="dk1"/>
+          </a:fontRef>
+        </p:style>
+        <p:txBody>
+          <a:bodyPr rtlCol="0" anchor="ctr"/>
+          <a:lstStyle/>
+          <a:p>
+            <a:pPr algn="ctr"/>
+            <a:r>
+              <a:rPr lang="zh-CN" altLang="en-US" sz="1200" dirty="0" smtClean="0">
+                <a:latin typeface="宋体" panose="02010600030101010101" pitchFamily="2" charset="-122"/>
+                <a:ea typeface="宋体" panose="02010600030101010101" pitchFamily="2" charset="-122"/>
+              </a:rPr>
+              <a:t>返回搜索结果链表头地址</a:t>
+            </a:r>
+            <a:endParaRPr lang="zh-CN" altLang="en-US" sz="1200" dirty="0">
+              <a:latin typeface="宋体" panose="02010600030101010101" pitchFamily="2" charset="-122"/>
+              <a:ea typeface="宋体" panose="02010600030101010101" pitchFamily="2" charset="-122"/>
+            </a:endParaRPr>
+          </a:p>
+        </p:txBody>
+      </p:sp>
+      <p:cxnSp>
+        <p:nvCxnSpPr>
+          <p:cNvPr id="48" name="肘形连接符 47"/>
+          <p:cNvCxnSpPr>
+            <a:stCxn id="17" idx="3"/>
+            <a:endCxn id="47" idx="0"/>
+          </p:cNvCxnSpPr>
+          <p:nvPr/>
+        </p:nvCxnSpPr>
+        <p:spPr>
+          <a:xfrm flipH="1">
+            <a:off x="2554288" y="3820213"/>
+            <a:ext cx="563561" cy="2320742"/>
+          </a:xfrm>
+          <a:prstGeom prst="bentConnector4">
+            <a:avLst>
+              <a:gd name="adj1" fmla="val -72113"/>
+              <a:gd name="adj2" fmla="val 89181"/>
+            </a:avLst>
+          </a:prstGeom>
+          <a:ln w="12700">
+            <a:tailEnd type="triangle"/>
+          </a:ln>
+        </p:spPr>
+        <p:style>
+          <a:lnRef idx="1">
+            <a:schemeClr val="dk1"/>
+          </a:lnRef>
+          <a:fillRef idx="0">
+            <a:schemeClr val="dk1"/>
+          </a:fillRef>
+          <a:effectRef idx="0">
+            <a:schemeClr val="dk1"/>
+          </a:effectRef>
+          <a:fontRef idx="minor">
+            <a:schemeClr val="tx1"/>
+          </a:fontRef>
+        </p:style>
+      </p:cxnSp>
+      <p:sp>
+        <p:nvSpPr>
+          <p:cNvPr id="53" name="文本框 52"/>
+          <p:cNvSpPr txBox="1"/>
+          <p:nvPr/>
+        </p:nvSpPr>
+        <p:spPr>
+          <a:xfrm>
+            <a:off x="2999884" y="3585566"/>
+            <a:ext cx="408125" cy="276999"/>
+          </a:xfrm>
+          <a:prstGeom prst="rect">
+            <a:avLst/>
+          </a:prstGeom>
+          <a:noFill/>
+        </p:spPr>
+        <p:txBody>
+          <a:bodyPr wrap="none" rtlCol="0">
+            <a:spAutoFit/>
+          </a:bodyPr>
+          <a:lstStyle/>
+          <a:p>
+            <a:r>
+              <a:rPr lang="en-US" altLang="zh-CN" sz="1200" dirty="0" smtClean="0">
+                <a:latin typeface="Times New Roman" panose="02020603050405020304" pitchFamily="18" charset="0"/>
+                <a:ea typeface="宋体" panose="02010600030101010101" pitchFamily="2" charset="-122"/>
+                <a:cs typeface="Times New Roman" panose="02020603050405020304" pitchFamily="18" charset="0"/>
+              </a:rPr>
+              <a:t>Yes</a:t>
+            </a:r>
+            <a:endParaRPr lang="zh-CN" altLang="en-US" sz="1200" dirty="0">
+              <a:latin typeface="Times New Roman" panose="02020603050405020304" pitchFamily="18" charset="0"/>
+              <a:ea typeface="宋体" panose="02010600030101010101" pitchFamily="2" charset="-122"/>
+              <a:cs typeface="Times New Roman" panose="02020603050405020304" pitchFamily="18" charset="0"/>
+            </a:endParaRPr>
+          </a:p>
+        </p:txBody>
+      </p:sp>
+      <p:sp>
+        <p:nvSpPr>
+          <p:cNvPr id="54" name="文本框 53"/>
+          <p:cNvSpPr txBox="1"/>
+          <p:nvPr/>
+        </p:nvSpPr>
+        <p:spPr>
+          <a:xfrm>
+            <a:off x="2501001" y="2268643"/>
+            <a:ext cx="408125" cy="276999"/>
+          </a:xfrm>
+          <a:prstGeom prst="rect">
+            <a:avLst/>
+          </a:prstGeom>
+          <a:noFill/>
+        </p:spPr>
+        <p:txBody>
+          <a:bodyPr wrap="none" rtlCol="0">
+            <a:spAutoFit/>
+          </a:bodyPr>
+          <a:lstStyle/>
+          <a:p>
+            <a:r>
+              <a:rPr lang="en-US" altLang="zh-CN" sz="1200" dirty="0" smtClean="0">
+                <a:latin typeface="Times New Roman" panose="02020603050405020304" pitchFamily="18" charset="0"/>
+                <a:ea typeface="宋体" panose="02010600030101010101" pitchFamily="2" charset="-122"/>
+                <a:cs typeface="Times New Roman" panose="02020603050405020304" pitchFamily="18" charset="0"/>
+              </a:rPr>
+              <a:t>Yes</a:t>
+            </a:r>
+            <a:endParaRPr lang="zh-CN" altLang="en-US" sz="1200" dirty="0">
+              <a:latin typeface="Times New Roman" panose="02020603050405020304" pitchFamily="18" charset="0"/>
+              <a:ea typeface="宋体" panose="02010600030101010101" pitchFamily="2" charset="-122"/>
+              <a:cs typeface="Times New Roman" panose="02020603050405020304" pitchFamily="18" charset="0"/>
+            </a:endParaRPr>
+          </a:p>
+        </p:txBody>
+      </p:sp>
+      <p:sp>
+        <p:nvSpPr>
+          <p:cNvPr id="55" name="文本框 54"/>
+          <p:cNvSpPr txBox="1"/>
+          <p:nvPr/>
+        </p:nvSpPr>
+        <p:spPr>
+          <a:xfrm>
+            <a:off x="1485688" y="1684021"/>
+            <a:ext cx="372218" cy="276999"/>
+          </a:xfrm>
+          <a:prstGeom prst="rect">
+            <a:avLst/>
+          </a:prstGeom>
+          <a:noFill/>
+        </p:spPr>
+        <p:txBody>
+          <a:bodyPr wrap="none" rtlCol="0">
+            <a:spAutoFit/>
+          </a:bodyPr>
+          <a:lstStyle/>
+          <a:p>
+            <a:r>
+              <a:rPr lang="en-US" altLang="zh-CN" sz="1200" dirty="0" smtClean="0">
+                <a:latin typeface="Times New Roman" panose="02020603050405020304" pitchFamily="18" charset="0"/>
+                <a:ea typeface="宋体" panose="02010600030101010101" pitchFamily="2" charset="-122"/>
+                <a:cs typeface="Times New Roman" panose="02020603050405020304" pitchFamily="18" charset="0"/>
+              </a:rPr>
+              <a:t>No</a:t>
+            </a:r>
+            <a:endParaRPr lang="zh-CN" altLang="en-US" sz="1200" dirty="0">
+              <a:latin typeface="Times New Roman" panose="02020603050405020304" pitchFamily="18" charset="0"/>
+              <a:ea typeface="宋体" panose="02010600030101010101" pitchFamily="2" charset="-122"/>
+              <a:cs typeface="Times New Roman" panose="02020603050405020304" pitchFamily="18" charset="0"/>
+            </a:endParaRPr>
+          </a:p>
+        </p:txBody>
+      </p:sp>
+      <p:cxnSp>
+        <p:nvCxnSpPr>
+          <p:cNvPr id="56" name="肘形连接符 55"/>
+          <p:cNvCxnSpPr>
+            <a:stCxn id="10" idx="1"/>
+            <a:endCxn id="47" idx="0"/>
+          </p:cNvCxnSpPr>
+          <p:nvPr/>
+        </p:nvCxnSpPr>
+        <p:spPr>
+          <a:xfrm rot="10800000" flipH="1" flipV="1">
+            <a:off x="1751544" y="1909777"/>
+            <a:ext cx="802743" cy="4231178"/>
+          </a:xfrm>
+          <a:prstGeom prst="bentConnector4">
+            <a:avLst>
+              <a:gd name="adj1" fmla="val -58009"/>
+              <a:gd name="adj2" fmla="val 93907"/>
+            </a:avLst>
+          </a:prstGeom>
+          <a:ln w="12700">
+            <a:tailEnd type="triangle"/>
+          </a:ln>
+        </p:spPr>
+        <p:style>
+          <a:lnRef idx="1">
+            <a:schemeClr val="dk1"/>
+          </a:lnRef>
+          <a:fillRef idx="0">
+            <a:schemeClr val="dk1"/>
+          </a:fillRef>
+          <a:effectRef idx="0">
+            <a:schemeClr val="dk1"/>
+          </a:effectRef>
+          <a:fontRef idx="minor">
+            <a:schemeClr val="tx1"/>
+          </a:fontRef>
+        </p:style>
+      </p:cxnSp>
+      <p:cxnSp>
+        <p:nvCxnSpPr>
+          <p:cNvPr id="67" name="肘形连接符 66"/>
+          <p:cNvCxnSpPr>
+            <a:stCxn id="40" idx="1"/>
+          </p:cNvCxnSpPr>
+          <p:nvPr/>
+        </p:nvCxnSpPr>
+        <p:spPr>
+          <a:xfrm rot="10800000">
+            <a:off x="1449867" y="4393716"/>
+            <a:ext cx="533187" cy="1089771"/>
+          </a:xfrm>
+          <a:prstGeom prst="bentConnector2">
+            <a:avLst/>
+          </a:prstGeom>
+          <a:ln w="12700">
+            <a:headEnd type="none" w="med" len="med"/>
+            <a:tailEnd type="none" w="med" len="med"/>
+          </a:ln>
+        </p:spPr>
+        <p:style>
+          <a:lnRef idx="1">
+            <a:schemeClr val="dk1"/>
+          </a:lnRef>
+          <a:fillRef idx="0">
+            <a:schemeClr val="dk1"/>
+          </a:fillRef>
+          <a:effectRef idx="0">
+            <a:schemeClr val="dk1"/>
+          </a:effectRef>
+          <a:fontRef idx="minor">
+            <a:schemeClr val="tx1"/>
+          </a:fontRef>
+        </p:style>
+      </p:cxnSp>
+    </p:spTree>
+    <p:extLst>
+      <p:ext uri="{BB962C8B-B14F-4D97-AF65-F5344CB8AC3E}">
+        <p14:creationId xmlns:p14="http://schemas.microsoft.com/office/powerpoint/2010/main" val="827937266"/>
+      </p:ext>
+    </p:extLst>
+  </p:cSld>
+  <p:clrMapOvr>
+    <a:masterClrMapping/>
+  </p:clrMapOvr>
+  <p:timing>
+    <p:tnLst>
+      <p:par>
+        <p:cTn id="1" dur="indefinite" restart="never" nodeType="tmRoot"/>
+      </p:par>
+    </p:tnLst>
+  </p:timing>
+</p:sld>
+</file>
+
+<file path=ppt/slides/slide11.xml><?xml version="1.0" encoding="utf-8"?>
+<p:sld xmlns:a="http://schemas.openxmlformats.org/drawingml/2006/main" xmlns:r="http://schemas.openxmlformats.org/officeDocument/2006/relationships" xmlns:p="http://schemas.openxmlformats.org/presentationml/2006/main">
+  <p:cSld>
+    <p:spTree>
+      <p:nvGrpSpPr>
+        <p:cNvPr id="1" name=""/>
+        <p:cNvGrpSpPr/>
+        <p:nvPr/>
+      </p:nvGrpSpPr>
+      <p:grpSpPr>
+        <a:xfrm>
+          <a:off x="0" y="0"/>
+          <a:ext cx="0" cy="0"/>
+          <a:chOff x="0" y="0"/>
+          <a:chExt cx="0" cy="0"/>
+        </a:xfrm>
+      </p:grpSpPr>
+      <p:grpSp>
+        <p:nvGrpSpPr>
+          <p:cNvPr id="145" name="组合 144"/>
+          <p:cNvGrpSpPr/>
+          <p:nvPr/>
+        </p:nvGrpSpPr>
+        <p:grpSpPr>
+          <a:xfrm>
+            <a:off x="954087" y="515822"/>
+            <a:ext cx="3200400" cy="6013597"/>
+            <a:chOff x="954087" y="515822"/>
+            <a:chExt cx="3200400" cy="6013597"/>
+          </a:xfrm>
+        </p:grpSpPr>
+        <p:sp>
+          <p:nvSpPr>
+            <p:cNvPr id="4" name="圆角矩形 3"/>
+            <p:cNvSpPr/>
+            <p:nvPr/>
+          </p:nvSpPr>
+          <p:spPr>
+            <a:xfrm>
+              <a:off x="954087" y="515822"/>
+              <a:ext cx="3200400" cy="254000"/>
+            </a:xfrm>
+            <a:prstGeom prst="roundRect">
+              <a:avLst/>
+            </a:prstGeom>
+          </p:spPr>
+          <p:style>
+            <a:lnRef idx="2">
+              <a:schemeClr val="dk1"/>
+            </a:lnRef>
+            <a:fillRef idx="1">
+              <a:schemeClr val="lt1"/>
+            </a:fillRef>
+            <a:effectRef idx="0">
+              <a:schemeClr val="dk1"/>
+            </a:effectRef>
+            <a:fontRef idx="minor">
+              <a:schemeClr val="dk1"/>
+            </a:fontRef>
+          </p:style>
+          <p:txBody>
+            <a:bodyPr rtlCol="0" anchor="ctr"/>
+            <a:lstStyle/>
+            <a:p>
+              <a:pPr algn="ctr"/>
+              <a:r>
+                <a:rPr lang="zh-CN" altLang="en-US" sz="1200" dirty="0" smtClean="0">
+                  <a:latin typeface="宋体" panose="02010600030101010101" pitchFamily="2" charset="-122"/>
+                  <a:ea typeface="宋体" panose="02010600030101010101" pitchFamily="2" charset="-122"/>
+                </a:rPr>
+                <a:t>进入</a:t>
+              </a:r>
+              <a:r>
+                <a:rPr lang="en-US" altLang="zh-CN" sz="1200" dirty="0" err="1" smtClean="0">
+                  <a:latin typeface="宋体" panose="02010600030101010101" pitchFamily="2" charset="-122"/>
+                  <a:ea typeface="宋体" panose="02010600030101010101" pitchFamily="2" charset="-122"/>
+                </a:rPr>
+                <a:t>buildDepartStatChainUnordered</a:t>
+              </a:r>
+              <a:r>
+                <a:rPr lang="en-US" altLang="zh-CN" sz="1200" dirty="0" smtClean="0">
+                  <a:latin typeface="宋体" panose="02010600030101010101" pitchFamily="2" charset="-122"/>
+                  <a:ea typeface="宋体" panose="02010600030101010101" pitchFamily="2" charset="-122"/>
+                </a:rPr>
+                <a:t>()</a:t>
+              </a:r>
+              <a:r>
+                <a:rPr lang="zh-CN" altLang="en-US" sz="1200" dirty="0" smtClean="0">
+                  <a:latin typeface="宋体" panose="02010600030101010101" pitchFamily="2" charset="-122"/>
+                  <a:ea typeface="宋体" panose="02010600030101010101" pitchFamily="2" charset="-122"/>
+                </a:rPr>
+                <a:t>函数</a:t>
+              </a:r>
+              <a:endParaRPr lang="zh-CN" altLang="en-US" sz="1200" dirty="0">
+                <a:latin typeface="宋体" panose="02010600030101010101" pitchFamily="2" charset="-122"/>
+                <a:ea typeface="宋体" panose="02010600030101010101" pitchFamily="2" charset="-122"/>
+              </a:endParaRPr>
+            </a:p>
+          </p:txBody>
+        </p:sp>
+        <p:sp>
+          <p:nvSpPr>
+            <p:cNvPr id="5" name="圆角矩形 4"/>
+            <p:cNvSpPr/>
+            <p:nvPr/>
+          </p:nvSpPr>
+          <p:spPr>
+            <a:xfrm>
+              <a:off x="1756833" y="1005145"/>
+              <a:ext cx="1600200" cy="254000"/>
+            </a:xfrm>
+            <a:prstGeom prst="roundRect">
+              <a:avLst/>
+            </a:prstGeom>
+          </p:spPr>
+          <p:style>
+            <a:lnRef idx="2">
+              <a:schemeClr val="dk1"/>
+            </a:lnRef>
+            <a:fillRef idx="1">
+              <a:schemeClr val="lt1"/>
+            </a:fillRef>
+            <a:effectRef idx="0">
+              <a:schemeClr val="dk1"/>
+            </a:effectRef>
+            <a:fontRef idx="minor">
+              <a:schemeClr val="dk1"/>
+            </a:fontRef>
+          </p:style>
+          <p:txBody>
+            <a:bodyPr rtlCol="0" anchor="ctr"/>
+            <a:lstStyle/>
+            <a:p>
+              <a:pPr algn="ctr"/>
+              <a:r>
+                <a:rPr lang="zh-CN" altLang="en-US" sz="1200" dirty="0" smtClean="0">
+                  <a:latin typeface="宋体" panose="02010600030101010101" pitchFamily="2" charset="-122"/>
+                  <a:ea typeface="宋体" panose="02010600030101010101" pitchFamily="2" charset="-122"/>
+                </a:rPr>
+                <a:t>创建</a:t>
+              </a:r>
+              <a:r>
+                <a:rPr lang="zh-CN" altLang="en-US" sz="1200" dirty="0">
+                  <a:latin typeface="宋体" panose="02010600030101010101" pitchFamily="2" charset="-122"/>
+                  <a:ea typeface="宋体" panose="02010600030101010101" pitchFamily="2" charset="-122"/>
+                </a:rPr>
+                <a:t>统计</a:t>
+              </a:r>
+              <a:r>
+                <a:rPr lang="zh-CN" altLang="en-US" sz="1200" dirty="0" smtClean="0">
+                  <a:latin typeface="宋体" panose="02010600030101010101" pitchFamily="2" charset="-122"/>
+                  <a:ea typeface="宋体" panose="02010600030101010101" pitchFamily="2" charset="-122"/>
+                </a:rPr>
+                <a:t>结果挂载点</a:t>
+              </a:r>
+              <a:endParaRPr lang="zh-CN" altLang="en-US" sz="1200" dirty="0">
+                <a:latin typeface="宋体" panose="02010600030101010101" pitchFamily="2" charset="-122"/>
+                <a:ea typeface="宋体" panose="02010600030101010101" pitchFamily="2" charset="-122"/>
+              </a:endParaRPr>
+            </a:p>
+          </p:txBody>
+        </p:sp>
+        <p:cxnSp>
+          <p:nvCxnSpPr>
+            <p:cNvPr id="6" name="直接箭头连接符 5"/>
+            <p:cNvCxnSpPr>
+              <a:stCxn id="4" idx="2"/>
+              <a:endCxn id="5" idx="0"/>
+            </p:cNvCxnSpPr>
+            <p:nvPr/>
+          </p:nvCxnSpPr>
+          <p:spPr>
+            <a:xfrm>
+              <a:off x="2554287" y="769822"/>
+              <a:ext cx="2646" cy="235323"/>
+            </a:xfrm>
+            <a:prstGeom prst="straightConnector1">
+              <a:avLst/>
+            </a:prstGeom>
+            <a:ln w="12700">
+              <a:tailEnd type="triangle"/>
+            </a:ln>
+          </p:spPr>
+          <p:style>
+            <a:lnRef idx="1">
+              <a:schemeClr val="dk1"/>
+            </a:lnRef>
+            <a:fillRef idx="0">
+              <a:schemeClr val="dk1"/>
+            </a:fillRef>
+            <a:effectRef idx="0">
+              <a:schemeClr val="dk1"/>
+            </a:effectRef>
+            <a:fontRef idx="minor">
+              <a:schemeClr val="tx1"/>
+            </a:fontRef>
+          </p:style>
+        </p:cxnSp>
+        <p:sp>
+          <p:nvSpPr>
+            <p:cNvPr id="7" name="流程图: 决策 6"/>
+            <p:cNvSpPr/>
+            <p:nvPr/>
+          </p:nvSpPr>
+          <p:spPr>
+            <a:xfrm>
+              <a:off x="1751545" y="1496211"/>
+              <a:ext cx="1605488" cy="827132"/>
+            </a:xfrm>
+            <a:prstGeom prst="flowChartDecision">
+              <a:avLst/>
+            </a:prstGeom>
+          </p:spPr>
+          <p:style>
+            <a:lnRef idx="2">
+              <a:schemeClr val="dk1"/>
+            </a:lnRef>
+            <a:fillRef idx="1">
+              <a:schemeClr val="lt1"/>
+            </a:fillRef>
+            <a:effectRef idx="0">
+              <a:schemeClr val="dk1"/>
+            </a:effectRef>
+            <a:fontRef idx="minor">
+              <a:schemeClr val="dk1"/>
+            </a:fontRef>
+          </p:style>
+          <p:txBody>
+            <a:bodyPr rtlCol="0" anchor="ctr"/>
+            <a:lstStyle/>
+            <a:p>
+              <a:pPr lvl="0" algn="ctr"/>
+              <a:r>
+                <a:rPr lang="zh-CN" altLang="en-US" sz="1200" dirty="0" smtClean="0">
+                  <a:solidFill>
+                    <a:prstClr val="black"/>
+                  </a:solidFill>
+                  <a:latin typeface="宋体" panose="02010600030101010101" pitchFamily="2" charset="-122"/>
+                  <a:ea typeface="宋体" panose="02010600030101010101" pitchFamily="2" charset="-122"/>
+                </a:rPr>
+                <a:t>检查传入链表是否有数据？</a:t>
+              </a:r>
+              <a:endParaRPr lang="zh-CN" altLang="en-US" sz="1200" dirty="0">
+                <a:solidFill>
+                  <a:prstClr val="black"/>
+                </a:solidFill>
+                <a:latin typeface="宋体" panose="02010600030101010101" pitchFamily="2" charset="-122"/>
+                <a:ea typeface="宋体" panose="02010600030101010101" pitchFamily="2" charset="-122"/>
+              </a:endParaRPr>
+            </a:p>
+          </p:txBody>
+        </p:sp>
+        <p:cxnSp>
+          <p:nvCxnSpPr>
+            <p:cNvPr id="8" name="直接箭头连接符 7"/>
+            <p:cNvCxnSpPr>
+              <a:stCxn id="5" idx="2"/>
+              <a:endCxn id="7" idx="0"/>
+            </p:cNvCxnSpPr>
+            <p:nvPr/>
+          </p:nvCxnSpPr>
+          <p:spPr>
+            <a:xfrm flipH="1">
+              <a:off x="2554289" y="1259145"/>
+              <a:ext cx="2644" cy="237066"/>
+            </a:xfrm>
+            <a:prstGeom prst="straightConnector1">
+              <a:avLst/>
+            </a:prstGeom>
+            <a:ln w="12700">
+              <a:tailEnd type="triangle"/>
+            </a:ln>
+          </p:spPr>
+          <p:style>
+            <a:lnRef idx="1">
+              <a:schemeClr val="dk1"/>
+            </a:lnRef>
+            <a:fillRef idx="0">
+              <a:schemeClr val="dk1"/>
+            </a:fillRef>
+            <a:effectRef idx="0">
+              <a:schemeClr val="dk1"/>
+            </a:effectRef>
+            <a:fontRef idx="minor">
+              <a:schemeClr val="tx1"/>
+            </a:fontRef>
+          </p:style>
+        </p:cxnSp>
+        <p:sp>
+          <p:nvSpPr>
+            <p:cNvPr id="9" name="圆角矩形 8"/>
+            <p:cNvSpPr/>
+            <p:nvPr/>
+          </p:nvSpPr>
+          <p:spPr>
+            <a:xfrm>
+              <a:off x="1837270" y="2559103"/>
+              <a:ext cx="1434038" cy="254000"/>
+            </a:xfrm>
+            <a:prstGeom prst="roundRect">
+              <a:avLst/>
+            </a:prstGeom>
+          </p:spPr>
+          <p:style>
+            <a:lnRef idx="2">
+              <a:schemeClr val="dk1"/>
+            </a:lnRef>
+            <a:fillRef idx="1">
+              <a:schemeClr val="lt1"/>
+            </a:fillRef>
+            <a:effectRef idx="0">
+              <a:schemeClr val="dk1"/>
+            </a:effectRef>
+            <a:fontRef idx="minor">
+              <a:schemeClr val="dk1"/>
+            </a:fontRef>
+          </p:style>
+          <p:txBody>
+            <a:bodyPr rtlCol="0" anchor="ctr"/>
+            <a:lstStyle/>
+            <a:p>
+              <a:pPr algn="ctr"/>
+              <a:r>
+                <a:rPr lang="zh-CN" altLang="en-US" sz="1200" dirty="0" smtClean="0">
+                  <a:latin typeface="宋体" panose="02010600030101010101" pitchFamily="2" charset="-122"/>
+                  <a:ea typeface="宋体" panose="02010600030101010101" pitchFamily="2" charset="-122"/>
+                </a:rPr>
+                <a:t>开始遍历院系链表</a:t>
+              </a:r>
+              <a:endParaRPr lang="zh-CN" altLang="en-US" sz="1200" dirty="0">
+                <a:latin typeface="宋体" panose="02010600030101010101" pitchFamily="2" charset="-122"/>
+                <a:ea typeface="宋体" panose="02010600030101010101" pitchFamily="2" charset="-122"/>
+              </a:endParaRPr>
+            </a:p>
+          </p:txBody>
+        </p:sp>
+        <p:sp>
+          <p:nvSpPr>
+            <p:cNvPr id="10" name="流程图: 决策 9"/>
+            <p:cNvSpPr/>
+            <p:nvPr/>
+          </p:nvSpPr>
+          <p:spPr>
+            <a:xfrm>
+              <a:off x="1990726" y="3646723"/>
+              <a:ext cx="1127121" cy="555343"/>
+            </a:xfrm>
+            <a:prstGeom prst="flowChartDecision">
+              <a:avLst/>
+            </a:prstGeom>
+          </p:spPr>
+          <p:style>
+            <a:lnRef idx="2">
+              <a:schemeClr val="dk1"/>
+            </a:lnRef>
+            <a:fillRef idx="1">
+              <a:schemeClr val="lt1"/>
+            </a:fillRef>
+            <a:effectRef idx="0">
+              <a:schemeClr val="dk1"/>
+            </a:effectRef>
+            <a:fontRef idx="minor">
+              <a:schemeClr val="dk1"/>
+            </a:fontRef>
+          </p:style>
+          <p:txBody>
+            <a:bodyPr rtlCol="0" anchor="ctr"/>
+            <a:lstStyle/>
+            <a:p>
+              <a:pPr lvl="0" algn="ctr"/>
+              <a:r>
+                <a:rPr lang="zh-CN" altLang="en-US" sz="1200" dirty="0" smtClean="0">
+                  <a:solidFill>
+                    <a:prstClr val="black"/>
+                  </a:solidFill>
+                  <a:latin typeface="宋体" panose="02010600030101010101" pitchFamily="2" charset="-122"/>
+                  <a:ea typeface="宋体" panose="02010600030101010101" pitchFamily="2" charset="-122"/>
+                </a:rPr>
+                <a:t>遍历完毕？</a:t>
+              </a:r>
+              <a:endParaRPr lang="zh-CN" altLang="en-US" sz="1200" dirty="0">
+                <a:solidFill>
+                  <a:prstClr val="black"/>
+                </a:solidFill>
+                <a:latin typeface="宋体" panose="02010600030101010101" pitchFamily="2" charset="-122"/>
+                <a:ea typeface="宋体" panose="02010600030101010101" pitchFamily="2" charset="-122"/>
+              </a:endParaRPr>
+            </a:p>
+          </p:txBody>
+        </p:sp>
+        <p:sp>
+          <p:nvSpPr>
+            <p:cNvPr id="11" name="圆角矩形 10"/>
+            <p:cNvSpPr/>
+            <p:nvPr/>
+          </p:nvSpPr>
+          <p:spPr>
+            <a:xfrm>
+              <a:off x="1821922" y="3048863"/>
+              <a:ext cx="1464730" cy="362100"/>
+            </a:xfrm>
+            <a:prstGeom prst="roundRect">
+              <a:avLst/>
+            </a:prstGeom>
+          </p:spPr>
+          <p:style>
+            <a:lnRef idx="2">
+              <a:schemeClr val="dk1"/>
+            </a:lnRef>
+            <a:fillRef idx="1">
+              <a:schemeClr val="lt1"/>
+            </a:fillRef>
+            <a:effectRef idx="0">
+              <a:schemeClr val="dk1"/>
+            </a:effectRef>
+            <a:fontRef idx="minor">
+              <a:schemeClr val="dk1"/>
+            </a:fontRef>
+          </p:style>
+          <p:txBody>
+            <a:bodyPr rtlCol="0" anchor="ctr"/>
+            <a:lstStyle/>
+            <a:p>
+              <a:pPr algn="ctr"/>
+              <a:r>
+                <a:rPr lang="zh-CN" altLang="en-US" sz="1200" dirty="0" smtClean="0">
+                  <a:latin typeface="宋体" panose="02010600030101010101" pitchFamily="2" charset="-122"/>
+                  <a:ea typeface="宋体" panose="02010600030101010101" pitchFamily="2" charset="-122"/>
+                </a:rPr>
+                <a:t>向头节点写入第一个院系的统计信息</a:t>
+              </a:r>
+              <a:endParaRPr lang="zh-CN" altLang="en-US" sz="1200" dirty="0">
+                <a:latin typeface="宋体" panose="02010600030101010101" pitchFamily="2" charset="-122"/>
+                <a:ea typeface="宋体" panose="02010600030101010101" pitchFamily="2" charset="-122"/>
+              </a:endParaRPr>
+            </a:p>
+          </p:txBody>
+        </p:sp>
+        <p:cxnSp>
+          <p:nvCxnSpPr>
+            <p:cNvPr id="12" name="直接箭头连接符 11"/>
+            <p:cNvCxnSpPr>
+              <a:stCxn id="7" idx="2"/>
+              <a:endCxn id="9" idx="0"/>
+            </p:cNvCxnSpPr>
+            <p:nvPr/>
+          </p:nvCxnSpPr>
+          <p:spPr>
+            <a:xfrm>
+              <a:off x="2554289" y="2323343"/>
+              <a:ext cx="0" cy="235760"/>
+            </a:xfrm>
+            <a:prstGeom prst="straightConnector1">
+              <a:avLst/>
+            </a:prstGeom>
+            <a:ln w="12700">
+              <a:tailEnd type="triangle"/>
+            </a:ln>
+          </p:spPr>
+          <p:style>
+            <a:lnRef idx="1">
+              <a:schemeClr val="dk1"/>
+            </a:lnRef>
+            <a:fillRef idx="0">
+              <a:schemeClr val="dk1"/>
+            </a:fillRef>
+            <a:effectRef idx="0">
+              <a:schemeClr val="dk1"/>
+            </a:effectRef>
+            <a:fontRef idx="minor">
+              <a:schemeClr val="tx1"/>
+            </a:fontRef>
+          </p:style>
+        </p:cxnSp>
+        <p:cxnSp>
+          <p:nvCxnSpPr>
+            <p:cNvPr id="13" name="直接箭头连接符 12"/>
+            <p:cNvCxnSpPr>
+              <a:stCxn id="9" idx="2"/>
+              <a:endCxn id="11" idx="0"/>
+            </p:cNvCxnSpPr>
+            <p:nvPr/>
+          </p:nvCxnSpPr>
+          <p:spPr>
+            <a:xfrm flipH="1">
+              <a:off x="2554287" y="2813103"/>
+              <a:ext cx="2" cy="235760"/>
+            </a:xfrm>
+            <a:prstGeom prst="straightConnector1">
+              <a:avLst/>
+            </a:prstGeom>
+            <a:ln w="12700">
+              <a:tailEnd type="triangle"/>
+            </a:ln>
+          </p:spPr>
+          <p:style>
+            <a:lnRef idx="1">
+              <a:schemeClr val="dk1"/>
+            </a:lnRef>
+            <a:fillRef idx="0">
+              <a:schemeClr val="dk1"/>
+            </a:fillRef>
+            <a:effectRef idx="0">
+              <a:schemeClr val="dk1"/>
+            </a:effectRef>
+            <a:fontRef idx="minor">
+              <a:schemeClr val="tx1"/>
+            </a:fontRef>
+          </p:style>
+        </p:cxnSp>
+        <p:cxnSp>
+          <p:nvCxnSpPr>
+            <p:cNvPr id="14" name="直接箭头连接符 13"/>
+            <p:cNvCxnSpPr>
+              <a:stCxn id="11" idx="2"/>
+              <a:endCxn id="10" idx="0"/>
+            </p:cNvCxnSpPr>
+            <p:nvPr/>
+          </p:nvCxnSpPr>
+          <p:spPr>
+            <a:xfrm>
+              <a:off x="2554287" y="3410963"/>
+              <a:ext cx="0" cy="235760"/>
+            </a:xfrm>
+            <a:prstGeom prst="straightConnector1">
+              <a:avLst/>
+            </a:prstGeom>
+            <a:ln w="12700">
+              <a:tailEnd type="triangle"/>
+            </a:ln>
+          </p:spPr>
+          <p:style>
+            <a:lnRef idx="1">
+              <a:schemeClr val="dk1"/>
+            </a:lnRef>
+            <a:fillRef idx="0">
+              <a:schemeClr val="dk1"/>
+            </a:fillRef>
+            <a:effectRef idx="0">
+              <a:schemeClr val="dk1"/>
+            </a:effectRef>
+            <a:fontRef idx="minor">
+              <a:schemeClr val="tx1"/>
+            </a:fontRef>
+          </p:style>
+        </p:cxnSp>
+        <p:sp>
+          <p:nvSpPr>
+            <p:cNvPr id="26" name="文本框 25"/>
+            <p:cNvSpPr txBox="1"/>
+            <p:nvPr/>
+          </p:nvSpPr>
+          <p:spPr>
+            <a:xfrm>
+              <a:off x="2501001" y="2268643"/>
+              <a:ext cx="408125" cy="276999"/>
+            </a:xfrm>
+            <a:prstGeom prst="rect">
+              <a:avLst/>
+            </a:prstGeom>
+            <a:noFill/>
+          </p:spPr>
+          <p:txBody>
+            <a:bodyPr wrap="none" rtlCol="0">
+              <a:spAutoFit/>
+            </a:bodyPr>
+            <a:lstStyle/>
+            <a:p>
+              <a:r>
+                <a:rPr lang="en-US" altLang="zh-CN" sz="1200" dirty="0" smtClean="0">
+                  <a:latin typeface="Times New Roman" panose="02020603050405020304" pitchFamily="18" charset="0"/>
+                  <a:ea typeface="宋体" panose="02010600030101010101" pitchFamily="2" charset="-122"/>
+                  <a:cs typeface="Times New Roman" panose="02020603050405020304" pitchFamily="18" charset="0"/>
+                </a:rPr>
+                <a:t>Yes</a:t>
+              </a:r>
+              <a:endParaRPr lang="zh-CN" altLang="en-US" sz="1200" dirty="0">
+                <a:latin typeface="Times New Roman" panose="02020603050405020304" pitchFamily="18" charset="0"/>
+                <a:ea typeface="宋体" panose="02010600030101010101" pitchFamily="2" charset="-122"/>
+                <a:cs typeface="Times New Roman" panose="02020603050405020304" pitchFamily="18" charset="0"/>
+              </a:endParaRPr>
+            </a:p>
+          </p:txBody>
+        </p:sp>
+        <p:sp>
+          <p:nvSpPr>
+            <p:cNvPr id="27" name="文本框 26"/>
+            <p:cNvSpPr txBox="1"/>
+            <p:nvPr/>
+          </p:nvSpPr>
+          <p:spPr>
+            <a:xfrm>
+              <a:off x="1465052" y="1670004"/>
+              <a:ext cx="372218" cy="276999"/>
+            </a:xfrm>
+            <a:prstGeom prst="rect">
+              <a:avLst/>
+            </a:prstGeom>
+            <a:noFill/>
+          </p:spPr>
+          <p:txBody>
+            <a:bodyPr wrap="none" rtlCol="0">
+              <a:spAutoFit/>
+            </a:bodyPr>
+            <a:lstStyle/>
+            <a:p>
+              <a:r>
+                <a:rPr lang="en-US" altLang="zh-CN" sz="1200" dirty="0" smtClean="0">
+                  <a:latin typeface="Times New Roman" panose="02020603050405020304" pitchFamily="18" charset="0"/>
+                  <a:ea typeface="宋体" panose="02010600030101010101" pitchFamily="2" charset="-122"/>
+                  <a:cs typeface="Times New Roman" panose="02020603050405020304" pitchFamily="18" charset="0"/>
+                </a:rPr>
+                <a:t>No</a:t>
+              </a:r>
+              <a:endParaRPr lang="zh-CN" altLang="en-US" sz="1200" dirty="0">
+                <a:latin typeface="Times New Roman" panose="02020603050405020304" pitchFamily="18" charset="0"/>
+                <a:ea typeface="宋体" panose="02010600030101010101" pitchFamily="2" charset="-122"/>
+                <a:cs typeface="Times New Roman" panose="02020603050405020304" pitchFamily="18" charset="0"/>
+              </a:endParaRPr>
+            </a:p>
+          </p:txBody>
+        </p:sp>
+        <p:sp>
+          <p:nvSpPr>
+            <p:cNvPr id="49" name="圆角矩形 48"/>
+            <p:cNvSpPr/>
+            <p:nvPr/>
+          </p:nvSpPr>
+          <p:spPr>
+            <a:xfrm>
+              <a:off x="1821922" y="4437826"/>
+              <a:ext cx="1464731" cy="391636"/>
+            </a:xfrm>
+            <a:prstGeom prst="roundRect">
+              <a:avLst/>
+            </a:prstGeom>
+          </p:spPr>
+          <p:style>
+            <a:lnRef idx="2">
+              <a:schemeClr val="dk1"/>
+            </a:lnRef>
+            <a:fillRef idx="1">
+              <a:schemeClr val="lt1"/>
+            </a:fillRef>
+            <a:effectRef idx="0">
+              <a:schemeClr val="dk1"/>
+            </a:effectRef>
+            <a:fontRef idx="minor">
+              <a:schemeClr val="dk1"/>
+            </a:fontRef>
+          </p:style>
+          <p:txBody>
+            <a:bodyPr rtlCol="0" anchor="ctr"/>
+            <a:lstStyle/>
+            <a:p>
+              <a:pPr algn="ctr"/>
+              <a:r>
+                <a:rPr lang="zh-CN" altLang="en-US" sz="1200" dirty="0" smtClean="0">
+                  <a:latin typeface="宋体" panose="02010600030101010101" pitchFamily="2" charset="-122"/>
+                  <a:ea typeface="宋体" panose="02010600030101010101" pitchFamily="2" charset="-122"/>
+                </a:rPr>
+                <a:t>创建下一个院系的统计结果挂载点</a:t>
+              </a:r>
+              <a:endParaRPr lang="zh-CN" altLang="en-US" sz="1200" dirty="0">
+                <a:latin typeface="宋体" panose="02010600030101010101" pitchFamily="2" charset="-122"/>
+                <a:ea typeface="宋体" panose="02010600030101010101" pitchFamily="2" charset="-122"/>
+              </a:endParaRPr>
+            </a:p>
+          </p:txBody>
+        </p:sp>
+        <p:cxnSp>
+          <p:nvCxnSpPr>
+            <p:cNvPr id="50" name="直接箭头连接符 49"/>
+            <p:cNvCxnSpPr>
+              <a:stCxn id="10" idx="2"/>
+              <a:endCxn id="49" idx="0"/>
+            </p:cNvCxnSpPr>
+            <p:nvPr/>
+          </p:nvCxnSpPr>
+          <p:spPr>
+            <a:xfrm>
+              <a:off x="2554287" y="4202066"/>
+              <a:ext cx="1" cy="235760"/>
+            </a:xfrm>
+            <a:prstGeom prst="straightConnector1">
+              <a:avLst/>
+            </a:prstGeom>
+            <a:ln w="12700">
+              <a:tailEnd type="triangle"/>
+            </a:ln>
+          </p:spPr>
+          <p:style>
+            <a:lnRef idx="1">
+              <a:schemeClr val="dk1"/>
+            </a:lnRef>
+            <a:fillRef idx="0">
+              <a:schemeClr val="dk1"/>
+            </a:fillRef>
+            <a:effectRef idx="0">
+              <a:schemeClr val="dk1"/>
+            </a:effectRef>
+            <a:fontRef idx="minor">
+              <a:schemeClr val="tx1"/>
+            </a:fontRef>
+          </p:style>
+        </p:cxnSp>
+        <p:sp>
+          <p:nvSpPr>
+            <p:cNvPr id="53" name="圆角矩形 52"/>
+            <p:cNvSpPr/>
+            <p:nvPr/>
+          </p:nvSpPr>
+          <p:spPr>
+            <a:xfrm>
+              <a:off x="2035518" y="5065222"/>
+              <a:ext cx="1037536" cy="362100"/>
+            </a:xfrm>
+            <a:prstGeom prst="roundRect">
+              <a:avLst/>
+            </a:prstGeom>
+            <a:ln>
+              <a:prstDash val="dash"/>
+            </a:ln>
+          </p:spPr>
+          <p:style>
+            <a:lnRef idx="2">
+              <a:schemeClr val="dk1"/>
+            </a:lnRef>
+            <a:fillRef idx="1">
+              <a:schemeClr val="lt1"/>
+            </a:fillRef>
+            <a:effectRef idx="0">
+              <a:schemeClr val="dk1"/>
+            </a:effectRef>
+            <a:fontRef idx="minor">
+              <a:schemeClr val="dk1"/>
+            </a:fontRef>
+          </p:style>
+          <p:txBody>
+            <a:bodyPr rtlCol="0" anchor="ctr"/>
+            <a:lstStyle/>
+            <a:p>
+              <a:pPr algn="ctr"/>
+              <a:r>
+                <a:rPr lang="zh-CN" altLang="en-US" sz="1200" dirty="0" smtClean="0">
+                  <a:latin typeface="宋体" panose="02010600030101010101" pitchFamily="2" charset="-122"/>
+                  <a:ea typeface="宋体" panose="02010600030101010101" pitchFamily="2" charset="-122"/>
+                </a:rPr>
+                <a:t>向节点中写入统计信息</a:t>
+              </a:r>
+              <a:endParaRPr lang="zh-CN" altLang="en-US" sz="1200" dirty="0">
+                <a:latin typeface="宋体" panose="02010600030101010101" pitchFamily="2" charset="-122"/>
+                <a:ea typeface="宋体" panose="02010600030101010101" pitchFamily="2" charset="-122"/>
+              </a:endParaRPr>
+            </a:p>
+          </p:txBody>
+        </p:sp>
+        <p:cxnSp>
+          <p:nvCxnSpPr>
+            <p:cNvPr id="54" name="直接箭头连接符 53"/>
+            <p:cNvCxnSpPr>
+              <a:stCxn id="49" idx="2"/>
+              <a:endCxn id="53" idx="0"/>
+            </p:cNvCxnSpPr>
+            <p:nvPr/>
+          </p:nvCxnSpPr>
+          <p:spPr>
+            <a:xfrm flipH="1">
+              <a:off x="2554286" y="4829462"/>
+              <a:ext cx="2" cy="235760"/>
+            </a:xfrm>
+            <a:prstGeom prst="straightConnector1">
+              <a:avLst/>
+            </a:prstGeom>
+            <a:ln w="12700">
+              <a:tailEnd type="triangle"/>
+            </a:ln>
+          </p:spPr>
+          <p:style>
+            <a:lnRef idx="1">
+              <a:schemeClr val="dk1"/>
+            </a:lnRef>
+            <a:fillRef idx="0">
+              <a:schemeClr val="dk1"/>
+            </a:fillRef>
+            <a:effectRef idx="0">
+              <a:schemeClr val="dk1"/>
+            </a:effectRef>
+            <a:fontRef idx="minor">
+              <a:schemeClr val="tx1"/>
+            </a:fontRef>
+          </p:style>
+        </p:cxnSp>
+        <p:cxnSp>
+          <p:nvCxnSpPr>
+            <p:cNvPr id="57" name="肘形连接符 56"/>
+            <p:cNvCxnSpPr>
+              <a:stCxn id="53" idx="2"/>
+              <a:endCxn id="10" idx="1"/>
+            </p:cNvCxnSpPr>
+            <p:nvPr/>
+          </p:nvCxnSpPr>
+          <p:spPr>
+            <a:xfrm rot="5400000" flipH="1">
+              <a:off x="1521042" y="4394079"/>
+              <a:ext cx="1502927" cy="563560"/>
+            </a:xfrm>
+            <a:prstGeom prst="bentConnector4">
+              <a:avLst>
+                <a:gd name="adj1" fmla="val -15210"/>
+                <a:gd name="adj2" fmla="val 164601"/>
+              </a:avLst>
+            </a:prstGeom>
+            <a:ln w="12700">
+              <a:tailEnd type="triangle"/>
+            </a:ln>
+          </p:spPr>
+          <p:style>
+            <a:lnRef idx="1">
+              <a:schemeClr val="dk1"/>
+            </a:lnRef>
+            <a:fillRef idx="0">
+              <a:schemeClr val="dk1"/>
+            </a:fillRef>
+            <a:effectRef idx="0">
+              <a:schemeClr val="dk1"/>
+            </a:effectRef>
+            <a:fontRef idx="minor">
+              <a:schemeClr val="tx1"/>
+            </a:fontRef>
+          </p:style>
+        </p:cxnSp>
+        <p:sp>
+          <p:nvSpPr>
+            <p:cNvPr id="130" name="圆角矩形 129"/>
+            <p:cNvSpPr/>
+            <p:nvPr/>
+          </p:nvSpPr>
+          <p:spPr>
+            <a:xfrm>
+              <a:off x="1983051" y="6103678"/>
+              <a:ext cx="1142469" cy="425741"/>
+            </a:xfrm>
+            <a:prstGeom prst="roundRect">
+              <a:avLst/>
+            </a:prstGeom>
+          </p:spPr>
+          <p:style>
+            <a:lnRef idx="2">
+              <a:schemeClr val="dk1"/>
+            </a:lnRef>
+            <a:fillRef idx="1">
+              <a:schemeClr val="lt1"/>
+            </a:fillRef>
+            <a:effectRef idx="0">
+              <a:schemeClr val="dk1"/>
+            </a:effectRef>
+            <a:fontRef idx="minor">
+              <a:schemeClr val="dk1"/>
+            </a:fontRef>
+          </p:style>
+          <p:txBody>
+            <a:bodyPr rtlCol="0" anchor="ctr"/>
+            <a:lstStyle/>
+            <a:p>
+              <a:pPr algn="ctr"/>
+              <a:r>
+                <a:rPr lang="zh-CN" altLang="en-US" sz="1200" dirty="0" smtClean="0">
+                  <a:latin typeface="宋体" panose="02010600030101010101" pitchFamily="2" charset="-122"/>
+                  <a:ea typeface="宋体" panose="02010600030101010101" pitchFamily="2" charset="-122"/>
+                </a:rPr>
+                <a:t>返回统计结果链表头地址</a:t>
+              </a:r>
+              <a:endParaRPr lang="zh-CN" altLang="en-US" sz="1200" dirty="0">
+                <a:latin typeface="宋体" panose="02010600030101010101" pitchFamily="2" charset="-122"/>
+                <a:ea typeface="宋体" panose="02010600030101010101" pitchFamily="2" charset="-122"/>
+              </a:endParaRPr>
+            </a:p>
+          </p:txBody>
+        </p:sp>
+        <p:cxnSp>
+          <p:nvCxnSpPr>
+            <p:cNvPr id="131" name="肘形连接符 130"/>
+            <p:cNvCxnSpPr>
+              <a:stCxn id="10" idx="3"/>
+              <a:endCxn id="130" idx="0"/>
+            </p:cNvCxnSpPr>
+            <p:nvPr/>
+          </p:nvCxnSpPr>
+          <p:spPr>
+            <a:xfrm flipH="1">
+              <a:off x="2554286" y="3924395"/>
+              <a:ext cx="563561" cy="2179283"/>
+            </a:xfrm>
+            <a:prstGeom prst="bentConnector4">
+              <a:avLst>
+                <a:gd name="adj1" fmla="val -62892"/>
+                <a:gd name="adj2" fmla="val 88706"/>
+              </a:avLst>
+            </a:prstGeom>
+            <a:ln w="12700">
+              <a:tailEnd type="triangle"/>
+            </a:ln>
+          </p:spPr>
+          <p:style>
+            <a:lnRef idx="1">
+              <a:schemeClr val="dk1"/>
+            </a:lnRef>
+            <a:fillRef idx="0">
+              <a:schemeClr val="dk1"/>
+            </a:fillRef>
+            <a:effectRef idx="0">
+              <a:schemeClr val="dk1"/>
+            </a:effectRef>
+            <a:fontRef idx="minor">
+              <a:schemeClr val="tx1"/>
+            </a:fontRef>
+          </p:style>
+        </p:cxnSp>
+        <p:sp>
+          <p:nvSpPr>
+            <p:cNvPr id="136" name="文本框 135"/>
+            <p:cNvSpPr txBox="1"/>
+            <p:nvPr/>
+          </p:nvSpPr>
+          <p:spPr>
+            <a:xfrm>
+              <a:off x="2501001" y="4133939"/>
+              <a:ext cx="372218" cy="276999"/>
+            </a:xfrm>
+            <a:prstGeom prst="rect">
+              <a:avLst/>
+            </a:prstGeom>
+            <a:noFill/>
+          </p:spPr>
+          <p:txBody>
+            <a:bodyPr wrap="none" rtlCol="0">
+              <a:spAutoFit/>
+            </a:bodyPr>
+            <a:lstStyle/>
+            <a:p>
+              <a:r>
+                <a:rPr lang="en-US" altLang="zh-CN" sz="1200" dirty="0" smtClean="0">
+                  <a:latin typeface="Times New Roman" panose="02020603050405020304" pitchFamily="18" charset="0"/>
+                  <a:ea typeface="宋体" panose="02010600030101010101" pitchFamily="2" charset="-122"/>
+                  <a:cs typeface="Times New Roman" panose="02020603050405020304" pitchFamily="18" charset="0"/>
+                </a:rPr>
+                <a:t>No</a:t>
+              </a:r>
+              <a:endParaRPr lang="zh-CN" altLang="en-US" sz="1200" dirty="0">
+                <a:latin typeface="Times New Roman" panose="02020603050405020304" pitchFamily="18" charset="0"/>
+                <a:ea typeface="宋体" panose="02010600030101010101" pitchFamily="2" charset="-122"/>
+                <a:cs typeface="Times New Roman" panose="02020603050405020304" pitchFamily="18" charset="0"/>
+              </a:endParaRPr>
+            </a:p>
+          </p:txBody>
+        </p:sp>
+        <p:sp>
+          <p:nvSpPr>
+            <p:cNvPr id="137" name="文本框 136"/>
+            <p:cNvSpPr txBox="1"/>
+            <p:nvPr/>
+          </p:nvSpPr>
+          <p:spPr>
+            <a:xfrm>
+              <a:off x="3067245" y="3698158"/>
+              <a:ext cx="408125" cy="276999"/>
+            </a:xfrm>
+            <a:prstGeom prst="rect">
+              <a:avLst/>
+            </a:prstGeom>
+            <a:noFill/>
+          </p:spPr>
+          <p:txBody>
+            <a:bodyPr wrap="none" rtlCol="0">
+              <a:spAutoFit/>
+            </a:bodyPr>
+            <a:lstStyle/>
+            <a:p>
+              <a:r>
+                <a:rPr lang="en-US" altLang="zh-CN" sz="1200" dirty="0" smtClean="0">
+                  <a:latin typeface="Times New Roman" panose="02020603050405020304" pitchFamily="18" charset="0"/>
+                  <a:ea typeface="宋体" panose="02010600030101010101" pitchFamily="2" charset="-122"/>
+                  <a:cs typeface="Times New Roman" panose="02020603050405020304" pitchFamily="18" charset="0"/>
+                </a:rPr>
+                <a:t>Yes</a:t>
+              </a:r>
+              <a:endParaRPr lang="zh-CN" altLang="en-US" sz="1200" dirty="0">
+                <a:latin typeface="Times New Roman" panose="02020603050405020304" pitchFamily="18" charset="0"/>
+                <a:ea typeface="宋体" panose="02010600030101010101" pitchFamily="2" charset="-122"/>
+                <a:cs typeface="Times New Roman" panose="02020603050405020304" pitchFamily="18" charset="0"/>
+              </a:endParaRPr>
+            </a:p>
+          </p:txBody>
+        </p:sp>
+        <p:cxnSp>
+          <p:nvCxnSpPr>
+            <p:cNvPr id="139" name="肘形连接符 138"/>
+            <p:cNvCxnSpPr>
+              <a:stCxn id="7" idx="1"/>
+            </p:cNvCxnSpPr>
+            <p:nvPr/>
+          </p:nvCxnSpPr>
+          <p:spPr>
+            <a:xfrm rot="10800000" flipH="1" flipV="1">
+              <a:off x="1751544" y="1909777"/>
+              <a:ext cx="802741" cy="3954128"/>
+            </a:xfrm>
+            <a:prstGeom prst="bentConnector4">
+              <a:avLst>
+                <a:gd name="adj1" fmla="val -38927"/>
+                <a:gd name="adj2" fmla="val 99783"/>
+              </a:avLst>
+            </a:prstGeom>
+            <a:ln w="12700"/>
+          </p:spPr>
+          <p:style>
+            <a:lnRef idx="1">
+              <a:schemeClr val="dk1"/>
+            </a:lnRef>
+            <a:fillRef idx="0">
+              <a:schemeClr val="dk1"/>
+            </a:fillRef>
+            <a:effectRef idx="0">
+              <a:schemeClr val="dk1"/>
+            </a:effectRef>
+            <a:fontRef idx="minor">
+              <a:schemeClr val="tx1"/>
+            </a:fontRef>
+          </p:style>
+        </p:cxnSp>
+      </p:grpSp>
+      <p:grpSp>
+        <p:nvGrpSpPr>
+          <p:cNvPr id="159" name="组合 158"/>
+          <p:cNvGrpSpPr/>
+          <p:nvPr/>
+        </p:nvGrpSpPr>
+        <p:grpSpPr>
+          <a:xfrm>
+            <a:off x="3781583" y="1366006"/>
+            <a:ext cx="2366785" cy="4061316"/>
+            <a:chOff x="3857887" y="2470617"/>
+            <a:chExt cx="2366785" cy="4061316"/>
+          </a:xfrm>
+        </p:grpSpPr>
+        <p:grpSp>
+          <p:nvGrpSpPr>
+            <p:cNvPr id="155" name="组合 154"/>
+            <p:cNvGrpSpPr/>
+            <p:nvPr/>
+          </p:nvGrpSpPr>
+          <p:grpSpPr>
+            <a:xfrm>
+              <a:off x="3857887" y="2735354"/>
+              <a:ext cx="2366785" cy="3796579"/>
+              <a:chOff x="3445846" y="7369167"/>
+              <a:chExt cx="2366785" cy="3796579"/>
+            </a:xfrm>
+          </p:grpSpPr>
+          <p:cxnSp>
+            <p:nvCxnSpPr>
+              <p:cNvPr id="68" name="直接箭头连接符 67"/>
+              <p:cNvCxnSpPr>
+                <a:endCxn id="93" idx="0"/>
+              </p:cNvCxnSpPr>
+              <p:nvPr/>
+            </p:nvCxnSpPr>
+            <p:spPr>
+              <a:xfrm>
+                <a:off x="4576779" y="7369167"/>
+                <a:ext cx="1" cy="351375"/>
+              </a:xfrm>
+              <a:prstGeom prst="straightConnector1">
+                <a:avLst/>
+              </a:prstGeom>
+              <a:ln w="12700">
+                <a:headEnd type="oval" w="med" len="med"/>
+                <a:tailEnd type="triangle" w="med" len="med"/>
+              </a:ln>
+            </p:spPr>
+            <p:style>
+              <a:lnRef idx="1">
+                <a:schemeClr val="dk1"/>
+              </a:lnRef>
+              <a:fillRef idx="0">
+                <a:schemeClr val="dk1"/>
+              </a:fillRef>
+              <a:effectRef idx="0">
+                <a:schemeClr val="dk1"/>
+              </a:effectRef>
+              <a:fontRef idx="minor">
+                <a:schemeClr val="tx1"/>
+              </a:fontRef>
+            </p:style>
+          </p:cxnSp>
+          <p:sp>
+            <p:nvSpPr>
+              <p:cNvPr id="72" name="流程图: 决策 71"/>
+              <p:cNvSpPr/>
+              <p:nvPr/>
+            </p:nvSpPr>
+            <p:spPr>
+              <a:xfrm>
+                <a:off x="3932083" y="8217582"/>
+                <a:ext cx="1289394" cy="590267"/>
+              </a:xfrm>
+              <a:prstGeom prst="flowChartDecision">
+                <a:avLst/>
+              </a:prstGeom>
+            </p:spPr>
+            <p:style>
+              <a:lnRef idx="2">
+                <a:schemeClr val="dk1"/>
+              </a:lnRef>
+              <a:fillRef idx="1">
+                <a:schemeClr val="lt1"/>
+              </a:fillRef>
+              <a:effectRef idx="0">
+                <a:schemeClr val="dk1"/>
+              </a:effectRef>
+              <a:fontRef idx="minor">
+                <a:schemeClr val="dk1"/>
+              </a:fontRef>
+            </p:style>
+            <p:txBody>
+              <a:bodyPr rtlCol="0" anchor="ctr"/>
+              <a:lstStyle/>
+              <a:p>
+                <a:pPr algn="ctr"/>
+                <a:r>
+                  <a:rPr lang="zh-CN" altLang="en-US" sz="1200" dirty="0" smtClean="0">
+                    <a:latin typeface="宋体" panose="02010600030101010101" pitchFamily="2" charset="-122"/>
+                    <a:ea typeface="宋体" panose="02010600030101010101" pitchFamily="2" charset="-122"/>
+                  </a:rPr>
+                  <a:t>遍历团队完毕？</a:t>
+                </a:r>
+                <a:endParaRPr lang="zh-CN" altLang="en-US" sz="1200" dirty="0">
+                  <a:latin typeface="宋体" panose="02010600030101010101" pitchFamily="2" charset="-122"/>
+                  <a:ea typeface="宋体" panose="02010600030101010101" pitchFamily="2" charset="-122"/>
+                </a:endParaRPr>
+              </a:p>
+            </p:txBody>
+          </p:sp>
+          <p:sp>
+            <p:nvSpPr>
+              <p:cNvPr id="73" name="圆角矩形 72"/>
+              <p:cNvSpPr/>
+              <p:nvPr/>
+            </p:nvSpPr>
+            <p:spPr>
+              <a:xfrm>
+                <a:off x="3996640" y="9046680"/>
+                <a:ext cx="1160279" cy="362100"/>
+              </a:xfrm>
+              <a:prstGeom prst="roundRect">
+                <a:avLst/>
+              </a:prstGeom>
+            </p:spPr>
+            <p:style>
+              <a:lnRef idx="2">
+                <a:schemeClr val="dk1"/>
+              </a:lnRef>
+              <a:fillRef idx="1">
+                <a:schemeClr val="lt1"/>
+              </a:fillRef>
+              <a:effectRef idx="0">
+                <a:schemeClr val="dk1"/>
+              </a:effectRef>
+              <a:fontRef idx="minor">
+                <a:schemeClr val="dk1"/>
+              </a:fontRef>
+            </p:style>
+            <p:txBody>
+              <a:bodyPr rtlCol="0" anchor="ctr"/>
+              <a:lstStyle/>
+              <a:p>
+                <a:pPr algn="ctr"/>
+                <a:r>
+                  <a:rPr lang="zh-CN" altLang="en-US" sz="1200" dirty="0" smtClean="0">
+                    <a:latin typeface="宋体" panose="02010600030101010101" pitchFamily="2" charset="-122"/>
+                    <a:ea typeface="宋体" panose="02010600030101010101" pitchFamily="2" charset="-122"/>
+                  </a:rPr>
+                  <a:t>记录有关团队的统计信息</a:t>
+                </a:r>
+                <a:endParaRPr lang="zh-CN" altLang="en-US" sz="1200" dirty="0">
+                  <a:latin typeface="宋体" panose="02010600030101010101" pitchFamily="2" charset="-122"/>
+                  <a:ea typeface="宋体" panose="02010600030101010101" pitchFamily="2" charset="-122"/>
+                </a:endParaRPr>
+              </a:p>
+            </p:txBody>
+          </p:sp>
+          <p:cxnSp>
+            <p:nvCxnSpPr>
+              <p:cNvPr id="77" name="直接箭头连接符 76"/>
+              <p:cNvCxnSpPr>
+                <a:stCxn id="72" idx="2"/>
+                <a:endCxn id="73" idx="0"/>
+              </p:cNvCxnSpPr>
+              <p:nvPr/>
+            </p:nvCxnSpPr>
+            <p:spPr>
+              <a:xfrm>
+                <a:off x="4576780" y="8807849"/>
+                <a:ext cx="0" cy="238831"/>
+              </a:xfrm>
+              <a:prstGeom prst="straightConnector1">
+                <a:avLst/>
+              </a:prstGeom>
+              <a:ln w="12700">
+                <a:tailEnd type="triangle"/>
+              </a:ln>
+            </p:spPr>
+            <p:style>
+              <a:lnRef idx="1">
+                <a:schemeClr val="dk1"/>
+              </a:lnRef>
+              <a:fillRef idx="0">
+                <a:schemeClr val="dk1"/>
+              </a:fillRef>
+              <a:effectRef idx="0">
+                <a:schemeClr val="dk1"/>
+              </a:effectRef>
+              <a:fontRef idx="minor">
+                <a:schemeClr val="tx1"/>
+              </a:fontRef>
+            </p:style>
+          </p:cxnSp>
+          <p:sp>
+            <p:nvSpPr>
+              <p:cNvPr id="80" name="流程图: 决策 79"/>
+              <p:cNvSpPr/>
+              <p:nvPr/>
+            </p:nvSpPr>
+            <p:spPr>
+              <a:xfrm>
+                <a:off x="3932083" y="10160518"/>
+                <a:ext cx="1289394" cy="590267"/>
+              </a:xfrm>
+              <a:prstGeom prst="flowChartDecision">
+                <a:avLst/>
+              </a:prstGeom>
+            </p:spPr>
+            <p:style>
+              <a:lnRef idx="2">
+                <a:schemeClr val="dk1"/>
+              </a:lnRef>
+              <a:fillRef idx="1">
+                <a:schemeClr val="lt1"/>
+              </a:fillRef>
+              <a:effectRef idx="0">
+                <a:schemeClr val="dk1"/>
+              </a:effectRef>
+              <a:fontRef idx="minor">
+                <a:schemeClr val="dk1"/>
+              </a:fontRef>
+            </p:style>
+            <p:txBody>
+              <a:bodyPr rtlCol="0" anchor="ctr"/>
+              <a:lstStyle/>
+              <a:p>
+                <a:pPr algn="ctr"/>
+                <a:r>
+                  <a:rPr lang="zh-CN" altLang="en-US" sz="1200" dirty="0" smtClean="0">
+                    <a:latin typeface="宋体" panose="02010600030101010101" pitchFamily="2" charset="-122"/>
+                    <a:ea typeface="宋体" panose="02010600030101010101" pitchFamily="2" charset="-122"/>
+                  </a:rPr>
+                  <a:t>遍历项目完毕？</a:t>
+                </a:r>
+                <a:endParaRPr lang="zh-CN" altLang="en-US" sz="1200" dirty="0">
+                  <a:latin typeface="宋体" panose="02010600030101010101" pitchFamily="2" charset="-122"/>
+                  <a:ea typeface="宋体" panose="02010600030101010101" pitchFamily="2" charset="-122"/>
+                </a:endParaRPr>
+              </a:p>
+            </p:txBody>
+          </p:sp>
+          <p:cxnSp>
+            <p:nvCxnSpPr>
+              <p:cNvPr id="81" name="直接箭头连接符 80"/>
+              <p:cNvCxnSpPr>
+                <a:stCxn id="73" idx="2"/>
+                <a:endCxn id="110" idx="0"/>
+              </p:cNvCxnSpPr>
+              <p:nvPr/>
+            </p:nvCxnSpPr>
+            <p:spPr>
+              <a:xfrm flipH="1">
+                <a:off x="4576779" y="9408780"/>
+                <a:ext cx="1" cy="250191"/>
+              </a:xfrm>
+              <a:prstGeom prst="straightConnector1">
+                <a:avLst/>
+              </a:prstGeom>
+              <a:ln w="12700">
+                <a:tailEnd type="triangle"/>
+              </a:ln>
+            </p:spPr>
+            <p:style>
+              <a:lnRef idx="1">
+                <a:schemeClr val="dk1"/>
+              </a:lnRef>
+              <a:fillRef idx="0">
+                <a:schemeClr val="dk1"/>
+              </a:fillRef>
+              <a:effectRef idx="0">
+                <a:schemeClr val="dk1"/>
+              </a:effectRef>
+              <a:fontRef idx="minor">
+                <a:schemeClr val="tx1"/>
+              </a:fontRef>
+            </p:style>
+          </p:cxnSp>
+          <p:cxnSp>
+            <p:nvCxnSpPr>
+              <p:cNvPr id="87" name="肘形连接符 86"/>
+              <p:cNvCxnSpPr>
+                <a:stCxn id="80" idx="1"/>
+                <a:endCxn id="93" idx="1"/>
+              </p:cNvCxnSpPr>
+              <p:nvPr/>
+            </p:nvCxnSpPr>
+            <p:spPr>
+              <a:xfrm rot="10800000" flipH="1">
+                <a:off x="3932082" y="7847542"/>
+                <a:ext cx="79097" cy="2608110"/>
+              </a:xfrm>
+              <a:prstGeom prst="bentConnector3">
+                <a:avLst>
+                  <a:gd name="adj1" fmla="val -363942"/>
+                </a:avLst>
+              </a:prstGeom>
+              <a:ln w="12700">
+                <a:tailEnd type="triangle"/>
+              </a:ln>
+            </p:spPr>
+            <p:style>
+              <a:lnRef idx="1">
+                <a:schemeClr val="dk1"/>
+              </a:lnRef>
+              <a:fillRef idx="0">
+                <a:schemeClr val="dk1"/>
+              </a:fillRef>
+              <a:effectRef idx="0">
+                <a:schemeClr val="dk1"/>
+              </a:effectRef>
+              <a:fontRef idx="minor">
+                <a:schemeClr val="tx1"/>
+              </a:fontRef>
+            </p:style>
+          </p:cxnSp>
+          <p:sp>
+            <p:nvSpPr>
+              <p:cNvPr id="90" name="文本框 89"/>
+              <p:cNvSpPr txBox="1"/>
+              <p:nvPr/>
+            </p:nvSpPr>
+            <p:spPr>
+              <a:xfrm>
+                <a:off x="4533813" y="8755912"/>
+                <a:ext cx="372218" cy="276999"/>
+              </a:xfrm>
+              <a:prstGeom prst="rect">
+                <a:avLst/>
+              </a:prstGeom>
+              <a:noFill/>
+            </p:spPr>
+            <p:txBody>
+              <a:bodyPr wrap="none" rtlCol="0">
+                <a:spAutoFit/>
+              </a:bodyPr>
+              <a:lstStyle/>
+              <a:p>
+                <a:r>
+                  <a:rPr lang="en-US" altLang="zh-CN" sz="1200" dirty="0" smtClean="0">
+                    <a:latin typeface="Times New Roman" panose="02020603050405020304" pitchFamily="18" charset="0"/>
+                    <a:ea typeface="宋体" panose="02010600030101010101" pitchFamily="2" charset="-122"/>
+                    <a:cs typeface="Times New Roman" panose="02020603050405020304" pitchFamily="18" charset="0"/>
+                  </a:rPr>
+                  <a:t>No</a:t>
+                </a:r>
+                <a:endParaRPr lang="zh-CN" altLang="en-US" sz="1200" dirty="0">
+                  <a:latin typeface="Times New Roman" panose="02020603050405020304" pitchFamily="18" charset="0"/>
+                  <a:ea typeface="宋体" panose="02010600030101010101" pitchFamily="2" charset="-122"/>
+                  <a:cs typeface="Times New Roman" panose="02020603050405020304" pitchFamily="18" charset="0"/>
+                </a:endParaRPr>
+              </a:p>
+            </p:txBody>
+          </p:sp>
+          <p:sp>
+            <p:nvSpPr>
+              <p:cNvPr id="93" name="圆角矩形 92"/>
+              <p:cNvSpPr/>
+              <p:nvPr/>
+            </p:nvSpPr>
+            <p:spPr>
+              <a:xfrm>
+                <a:off x="4011180" y="7720542"/>
+                <a:ext cx="1131199" cy="254000"/>
+              </a:xfrm>
+              <a:prstGeom prst="roundRect">
+                <a:avLst/>
+              </a:prstGeom>
+            </p:spPr>
+            <p:style>
+              <a:lnRef idx="2">
+                <a:schemeClr val="dk1"/>
+              </a:lnRef>
+              <a:fillRef idx="1">
+                <a:schemeClr val="lt1"/>
+              </a:fillRef>
+              <a:effectRef idx="0">
+                <a:schemeClr val="dk1"/>
+              </a:effectRef>
+              <a:fontRef idx="minor">
+                <a:schemeClr val="dk1"/>
+              </a:fontRef>
+            </p:style>
+            <p:txBody>
+              <a:bodyPr rtlCol="0" anchor="ctr"/>
+              <a:lstStyle/>
+              <a:p>
+                <a:pPr algn="ctr"/>
+                <a:r>
+                  <a:rPr lang="zh-CN" altLang="en-US" sz="1200" dirty="0" smtClean="0">
+                    <a:latin typeface="宋体" panose="02010600030101010101" pitchFamily="2" charset="-122"/>
+                    <a:ea typeface="宋体" panose="02010600030101010101" pitchFamily="2" charset="-122"/>
+                  </a:rPr>
+                  <a:t>遍历团队链表</a:t>
+                </a:r>
+                <a:endParaRPr lang="zh-CN" altLang="en-US" sz="1200" dirty="0">
+                  <a:latin typeface="宋体" panose="02010600030101010101" pitchFamily="2" charset="-122"/>
+                  <a:ea typeface="宋体" panose="02010600030101010101" pitchFamily="2" charset="-122"/>
+                </a:endParaRPr>
+              </a:p>
+            </p:txBody>
+          </p:sp>
+          <p:cxnSp>
+            <p:nvCxnSpPr>
+              <p:cNvPr id="97" name="直接箭头连接符 96"/>
+              <p:cNvCxnSpPr>
+                <a:stCxn id="93" idx="2"/>
+                <a:endCxn id="72" idx="0"/>
+              </p:cNvCxnSpPr>
+              <p:nvPr/>
+            </p:nvCxnSpPr>
+            <p:spPr>
+              <a:xfrm>
+                <a:off x="4576780" y="7974542"/>
+                <a:ext cx="0" cy="243040"/>
+              </a:xfrm>
+              <a:prstGeom prst="straightConnector1">
+                <a:avLst/>
+              </a:prstGeom>
+              <a:ln w="12700">
+                <a:tailEnd type="triangle"/>
+              </a:ln>
+            </p:spPr>
+            <p:style>
+              <a:lnRef idx="1">
+                <a:schemeClr val="dk1"/>
+              </a:lnRef>
+              <a:fillRef idx="0">
+                <a:schemeClr val="dk1"/>
+              </a:fillRef>
+              <a:effectRef idx="0">
+                <a:schemeClr val="dk1"/>
+              </a:effectRef>
+              <a:fontRef idx="minor">
+                <a:schemeClr val="tx1"/>
+              </a:fontRef>
+            </p:style>
+          </p:cxnSp>
+          <p:sp>
+            <p:nvSpPr>
+              <p:cNvPr id="102" name="文本框 101"/>
+              <p:cNvSpPr txBox="1"/>
+              <p:nvPr/>
+            </p:nvSpPr>
+            <p:spPr>
+              <a:xfrm>
+                <a:off x="3637813" y="10187720"/>
+                <a:ext cx="408125" cy="276999"/>
+              </a:xfrm>
+              <a:prstGeom prst="rect">
+                <a:avLst/>
+              </a:prstGeom>
+              <a:noFill/>
+            </p:spPr>
+            <p:txBody>
+              <a:bodyPr wrap="none" rtlCol="0">
+                <a:spAutoFit/>
+              </a:bodyPr>
+              <a:lstStyle/>
+              <a:p>
+                <a:r>
+                  <a:rPr lang="en-US" altLang="zh-CN" sz="1200" dirty="0" smtClean="0">
+                    <a:latin typeface="Times New Roman" panose="02020603050405020304" pitchFamily="18" charset="0"/>
+                    <a:ea typeface="宋体" panose="02010600030101010101" pitchFamily="2" charset="-122"/>
+                    <a:cs typeface="Times New Roman" panose="02020603050405020304" pitchFamily="18" charset="0"/>
+                  </a:rPr>
+                  <a:t>Yes</a:t>
+                </a:r>
+                <a:endParaRPr lang="zh-CN" altLang="en-US" sz="1200" dirty="0">
+                  <a:latin typeface="Times New Roman" panose="02020603050405020304" pitchFamily="18" charset="0"/>
+                  <a:ea typeface="宋体" panose="02010600030101010101" pitchFamily="2" charset="-122"/>
+                  <a:cs typeface="Times New Roman" panose="02020603050405020304" pitchFamily="18" charset="0"/>
+                </a:endParaRPr>
+              </a:p>
+            </p:txBody>
+          </p:sp>
+          <p:sp>
+            <p:nvSpPr>
+              <p:cNvPr id="103" name="文本框 102"/>
+              <p:cNvSpPr txBox="1"/>
+              <p:nvPr/>
+            </p:nvSpPr>
+            <p:spPr>
+              <a:xfrm>
+                <a:off x="5142378" y="8273611"/>
+                <a:ext cx="408125" cy="276999"/>
+              </a:xfrm>
+              <a:prstGeom prst="rect">
+                <a:avLst/>
+              </a:prstGeom>
+              <a:noFill/>
+            </p:spPr>
+            <p:txBody>
+              <a:bodyPr wrap="none" rtlCol="0">
+                <a:spAutoFit/>
+              </a:bodyPr>
+              <a:lstStyle/>
+              <a:p>
+                <a:r>
+                  <a:rPr lang="en-US" altLang="zh-CN" sz="1200" dirty="0" smtClean="0">
+                    <a:latin typeface="Times New Roman" panose="02020603050405020304" pitchFamily="18" charset="0"/>
+                    <a:ea typeface="宋体" panose="02010600030101010101" pitchFamily="2" charset="-122"/>
+                    <a:cs typeface="Times New Roman" panose="02020603050405020304" pitchFamily="18" charset="0"/>
+                  </a:rPr>
+                  <a:t>Yes</a:t>
+                </a:r>
+                <a:endParaRPr lang="zh-CN" altLang="en-US" sz="1200" dirty="0">
+                  <a:latin typeface="Times New Roman" panose="02020603050405020304" pitchFamily="18" charset="0"/>
+                  <a:ea typeface="宋体" panose="02010600030101010101" pitchFamily="2" charset="-122"/>
+                  <a:cs typeface="Times New Roman" panose="02020603050405020304" pitchFamily="18" charset="0"/>
+                </a:endParaRPr>
+              </a:p>
+            </p:txBody>
+          </p:sp>
+          <p:sp>
+            <p:nvSpPr>
+              <p:cNvPr id="110" name="圆角矩形 109"/>
+              <p:cNvSpPr/>
+              <p:nvPr/>
+            </p:nvSpPr>
+            <p:spPr>
+              <a:xfrm>
+                <a:off x="4011179" y="9658971"/>
+                <a:ext cx="1131199" cy="254000"/>
+              </a:xfrm>
+              <a:prstGeom prst="roundRect">
+                <a:avLst/>
+              </a:prstGeom>
+            </p:spPr>
+            <p:style>
+              <a:lnRef idx="2">
+                <a:schemeClr val="dk1"/>
+              </a:lnRef>
+              <a:fillRef idx="1">
+                <a:schemeClr val="lt1"/>
+              </a:fillRef>
+              <a:effectRef idx="0">
+                <a:schemeClr val="dk1"/>
+              </a:effectRef>
+              <a:fontRef idx="minor">
+                <a:schemeClr val="dk1"/>
+              </a:fontRef>
+            </p:style>
+            <p:txBody>
+              <a:bodyPr rtlCol="0" anchor="ctr"/>
+              <a:lstStyle/>
+              <a:p>
+                <a:pPr algn="ctr"/>
+                <a:r>
+                  <a:rPr lang="zh-CN" altLang="en-US" sz="1200" dirty="0" smtClean="0">
+                    <a:latin typeface="宋体" panose="02010600030101010101" pitchFamily="2" charset="-122"/>
+                    <a:ea typeface="宋体" panose="02010600030101010101" pitchFamily="2" charset="-122"/>
+                  </a:rPr>
+                  <a:t>遍历项目链表</a:t>
+                </a:r>
+                <a:endParaRPr lang="zh-CN" altLang="en-US" sz="1200" dirty="0">
+                  <a:latin typeface="宋体" panose="02010600030101010101" pitchFamily="2" charset="-122"/>
+                  <a:ea typeface="宋体" panose="02010600030101010101" pitchFamily="2" charset="-122"/>
+                </a:endParaRPr>
+              </a:p>
+            </p:txBody>
+          </p:sp>
+          <p:cxnSp>
+            <p:nvCxnSpPr>
+              <p:cNvPr id="116" name="直接箭头连接符 115"/>
+              <p:cNvCxnSpPr>
+                <a:stCxn id="110" idx="2"/>
+                <a:endCxn id="80" idx="0"/>
+              </p:cNvCxnSpPr>
+              <p:nvPr/>
+            </p:nvCxnSpPr>
+            <p:spPr>
+              <a:xfrm>
+                <a:off x="4576779" y="9912971"/>
+                <a:ext cx="1" cy="247547"/>
+              </a:xfrm>
+              <a:prstGeom prst="straightConnector1">
+                <a:avLst/>
+              </a:prstGeom>
+              <a:ln w="12700">
+                <a:tailEnd type="triangle"/>
+              </a:ln>
+            </p:spPr>
+            <p:style>
+              <a:lnRef idx="1">
+                <a:schemeClr val="dk1"/>
+              </a:lnRef>
+              <a:fillRef idx="0">
+                <a:schemeClr val="dk1"/>
+              </a:fillRef>
+              <a:effectRef idx="0">
+                <a:schemeClr val="dk1"/>
+              </a:effectRef>
+              <a:fontRef idx="minor">
+                <a:schemeClr val="tx1"/>
+              </a:fontRef>
+            </p:style>
+          </p:cxnSp>
+          <p:cxnSp>
+            <p:nvCxnSpPr>
+              <p:cNvPr id="123" name="肘形连接符 122"/>
+              <p:cNvCxnSpPr>
+                <a:stCxn id="80" idx="2"/>
+                <a:endCxn id="110" idx="3"/>
+              </p:cNvCxnSpPr>
+              <p:nvPr/>
+            </p:nvCxnSpPr>
+            <p:spPr>
+              <a:xfrm rot="5400000" flipH="1" flipV="1">
+                <a:off x="4377172" y="9985579"/>
+                <a:ext cx="964814" cy="565598"/>
+              </a:xfrm>
+              <a:prstGeom prst="bentConnector4">
+                <a:avLst>
+                  <a:gd name="adj1" fmla="val -23694"/>
+                  <a:gd name="adj2" fmla="val 154402"/>
+                </a:avLst>
+              </a:prstGeom>
+              <a:ln w="12700">
+                <a:tailEnd type="triangle"/>
+              </a:ln>
+            </p:spPr>
+            <p:style>
+              <a:lnRef idx="1">
+                <a:schemeClr val="dk1"/>
+              </a:lnRef>
+              <a:fillRef idx="0">
+                <a:schemeClr val="dk1"/>
+              </a:fillRef>
+              <a:effectRef idx="0">
+                <a:schemeClr val="dk1"/>
+              </a:effectRef>
+              <a:fontRef idx="minor">
+                <a:schemeClr val="tx1"/>
+              </a:fontRef>
+            </p:style>
+          </p:cxnSp>
+          <p:sp>
+            <p:nvSpPr>
+              <p:cNvPr id="128" name="文本框 127"/>
+              <p:cNvSpPr txBox="1"/>
+              <p:nvPr/>
+            </p:nvSpPr>
+            <p:spPr>
+              <a:xfrm>
+                <a:off x="4536026" y="10692721"/>
+                <a:ext cx="372218" cy="276999"/>
+              </a:xfrm>
+              <a:prstGeom prst="rect">
+                <a:avLst/>
+              </a:prstGeom>
+              <a:noFill/>
+            </p:spPr>
+            <p:txBody>
+              <a:bodyPr wrap="none" rtlCol="0">
+                <a:spAutoFit/>
+              </a:bodyPr>
+              <a:lstStyle/>
+              <a:p>
+                <a:r>
+                  <a:rPr lang="en-US" altLang="zh-CN" sz="1200" dirty="0" smtClean="0">
+                    <a:latin typeface="Times New Roman" panose="02020603050405020304" pitchFamily="18" charset="0"/>
+                    <a:ea typeface="宋体" panose="02010600030101010101" pitchFamily="2" charset="-122"/>
+                    <a:cs typeface="Times New Roman" panose="02020603050405020304" pitchFamily="18" charset="0"/>
+                  </a:rPr>
+                  <a:t>No</a:t>
+                </a:r>
+                <a:endParaRPr lang="zh-CN" altLang="en-US" sz="1200" dirty="0">
+                  <a:latin typeface="Times New Roman" panose="02020603050405020304" pitchFamily="18" charset="0"/>
+                  <a:ea typeface="宋体" panose="02010600030101010101" pitchFamily="2" charset="-122"/>
+                  <a:cs typeface="Times New Roman" panose="02020603050405020304" pitchFamily="18" charset="0"/>
+                </a:endParaRPr>
+              </a:p>
+            </p:txBody>
+          </p:sp>
+          <p:sp>
+            <p:nvSpPr>
+              <p:cNvPr id="146" name="圆角矩形 145"/>
+              <p:cNvSpPr/>
+              <p:nvPr/>
+            </p:nvSpPr>
+            <p:spPr>
+              <a:xfrm>
+                <a:off x="3445846" y="7524897"/>
+                <a:ext cx="2208334" cy="3640849"/>
+              </a:xfrm>
+              <a:prstGeom prst="roundRect">
+                <a:avLst/>
+              </a:prstGeom>
+              <a:noFill/>
+              <a:ln>
+                <a:prstDash val="dash"/>
+              </a:ln>
+            </p:spPr>
+            <p:style>
+              <a:lnRef idx="2">
+                <a:schemeClr val="dk1"/>
+              </a:lnRef>
+              <a:fillRef idx="1">
+                <a:schemeClr val="lt1"/>
+              </a:fillRef>
+              <a:effectRef idx="0">
+                <a:schemeClr val="dk1"/>
+              </a:effectRef>
+              <a:fontRef idx="minor">
+                <a:schemeClr val="dk1"/>
+              </a:fontRef>
+            </p:style>
+            <p:txBody>
+              <a:bodyPr rtlCol="0" anchor="ctr"/>
+              <a:lstStyle/>
+              <a:p>
+                <a:pPr algn="ctr"/>
+                <a:endParaRPr lang="zh-CN" altLang="en-US" sz="1200" dirty="0">
+                  <a:latin typeface="宋体" panose="02010600030101010101" pitchFamily="2" charset="-122"/>
+                  <a:ea typeface="宋体" panose="02010600030101010101" pitchFamily="2" charset="-122"/>
+                </a:endParaRPr>
+              </a:p>
+            </p:txBody>
+          </p:sp>
+          <p:cxnSp>
+            <p:nvCxnSpPr>
+              <p:cNvPr id="149" name="直接连接符 148"/>
+              <p:cNvCxnSpPr>
+                <a:stCxn id="72" idx="3"/>
+              </p:cNvCxnSpPr>
+              <p:nvPr/>
+            </p:nvCxnSpPr>
+            <p:spPr>
+              <a:xfrm>
+                <a:off x="5221477" y="8512716"/>
+                <a:ext cx="591154" cy="253"/>
+              </a:xfrm>
+              <a:prstGeom prst="line">
+                <a:avLst/>
+              </a:prstGeom>
+              <a:ln w="12700">
+                <a:tailEnd type="oval"/>
+              </a:ln>
+            </p:spPr>
+            <p:style>
+              <a:lnRef idx="1">
+                <a:schemeClr val="dk1"/>
+              </a:lnRef>
+              <a:fillRef idx="0">
+                <a:schemeClr val="dk1"/>
+              </a:fillRef>
+              <a:effectRef idx="0">
+                <a:schemeClr val="dk1"/>
+              </a:effectRef>
+              <a:fontRef idx="minor">
+                <a:schemeClr val="tx1"/>
+              </a:fontRef>
+            </p:style>
+          </p:cxnSp>
+        </p:grpSp>
+        <p:sp>
+          <p:nvSpPr>
+            <p:cNvPr id="158" name="文本框 157"/>
+            <p:cNvSpPr txBox="1"/>
+            <p:nvPr/>
+          </p:nvSpPr>
+          <p:spPr>
+            <a:xfrm>
+              <a:off x="4135433" y="2470617"/>
+              <a:ext cx="1723549" cy="246221"/>
+            </a:xfrm>
+            <a:prstGeom prst="rect">
+              <a:avLst/>
+            </a:prstGeom>
+            <a:noFill/>
+          </p:spPr>
+          <p:txBody>
+            <a:bodyPr wrap="none" rtlCol="0">
+              <a:spAutoFit/>
+            </a:bodyPr>
+            <a:lstStyle/>
+            <a:p>
+              <a:r>
+                <a:rPr lang="zh-CN" altLang="en-US" sz="1000" dirty="0" smtClean="0">
+                  <a:latin typeface="黑体" panose="02010609060101010101" pitchFamily="49" charset="-122"/>
+                  <a:ea typeface="黑体" panose="02010609060101010101" pitchFamily="49" charset="-122"/>
+                </a:rPr>
+                <a:t>向节点中写入统计信息过程</a:t>
+              </a:r>
+              <a:endParaRPr lang="zh-CN" altLang="en-US" sz="1000" dirty="0">
+                <a:latin typeface="黑体" panose="02010609060101010101" pitchFamily="49" charset="-122"/>
+                <a:ea typeface="黑体" panose="02010609060101010101" pitchFamily="49" charset="-122"/>
+              </a:endParaRPr>
+            </a:p>
+          </p:txBody>
+        </p:sp>
+      </p:grpSp>
+    </p:spTree>
+    <p:extLst>
+      <p:ext uri="{BB962C8B-B14F-4D97-AF65-F5344CB8AC3E}">
+        <p14:creationId xmlns:p14="http://schemas.microsoft.com/office/powerpoint/2010/main" val="1503375966"/>
+      </p:ext>
+    </p:extLst>
+  </p:cSld>
+  <p:clrMapOvr>
+    <a:masterClrMapping/>
+  </p:clrMapOvr>
+  <p:timing>
+    <p:tnLst>
+      <p:par>
+        <p:cTn id="1" dur="indefinite" restart="never" nodeType="tmRoot"/>
+      </p:par>
+    </p:tnLst>
+  </p:timing>
+</p:sld>
+</file>
+
 <file path=ppt/slides/slide2.xml><?xml version="1.0" encoding="utf-8"?>
 <p:sld xmlns:a="http://schemas.openxmlformats.org/drawingml/2006/main" xmlns:r="http://schemas.openxmlformats.org/officeDocument/2006/relationships" xmlns:p="http://schemas.openxmlformats.org/presentationml/2006/main">
   <p:cSld>
@@ -16043,6 +19039,13 @@
   <p:clrMapOvr>
     <a:masterClrMapping/>
   </p:clrMapOvr>
+  <p:timing>
+    <p:tnLst>
+      <p:par>
+        <p:cTn id="1" dur="indefinite" restart="never" nodeType="tmRoot"/>
+      </p:par>
+    </p:tnLst>
+  </p:timing>
 </p:sld>
 </file>
 
@@ -18739,6 +21742,13 @@
   <p:clrMapOvr>
     <a:masterClrMapping/>
   </p:clrMapOvr>
+  <p:timing>
+    <p:tnLst>
+      <p:par>
+        <p:cTn id="1" dur="indefinite" restart="never" nodeType="tmRoot"/>
+      </p:par>
+    </p:tnLst>
+  </p:timing>
 </p:sld>
 </file>
 

--- a/Experiment_Report/drafts.pptx
+++ b/Experiment_Report/drafts.pptx
@@ -116,7 +116,7 @@
   </p:defaultTextStyle>
   <p:extLst>
     <p:ext uri="{EFAFB233-063F-42B5-8137-9DF3F51BA10A}">
-      <p15:sldGuideLst xmlns:p15="http://schemas.microsoft.com/office/powerpoint/2012/main"/>
+      <p15:sldGuideLst xmlns:p15="http://schemas.microsoft.com/office/powerpoint/2012/main" xmlns=""/>
     </p:ext>
   </p:extLst>
 </p:presentation>
@@ -253,7 +253,7 @@
           <a:p>
             <a:fld id="{B6E59F9F-3752-44C4-97EA-805C9D53DCD1}" type="datetimeFigureOut">
               <a:rPr lang="zh-CN" altLang="en-US" smtClean="0"/>
-              <a:t>2017/8/20</a:t>
+              <a:t>2017/9/12</a:t>
             </a:fld>
             <a:endParaRPr lang="zh-CN" altLang="en-US"/>
           </a:p>
@@ -423,7 +423,7 @@
           <a:p>
             <a:fld id="{B6E59F9F-3752-44C4-97EA-805C9D53DCD1}" type="datetimeFigureOut">
               <a:rPr lang="zh-CN" altLang="en-US" smtClean="0"/>
-              <a:t>2017/8/20</a:t>
+              <a:t>2017/9/12</a:t>
             </a:fld>
             <a:endParaRPr lang="zh-CN" altLang="en-US"/>
           </a:p>
@@ -603,7 +603,7 @@
           <a:p>
             <a:fld id="{B6E59F9F-3752-44C4-97EA-805C9D53DCD1}" type="datetimeFigureOut">
               <a:rPr lang="zh-CN" altLang="en-US" smtClean="0"/>
-              <a:t>2017/8/20</a:t>
+              <a:t>2017/9/12</a:t>
             </a:fld>
             <a:endParaRPr lang="zh-CN" altLang="en-US"/>
           </a:p>
@@ -773,7 +773,7 @@
           <a:p>
             <a:fld id="{B6E59F9F-3752-44C4-97EA-805C9D53DCD1}" type="datetimeFigureOut">
               <a:rPr lang="zh-CN" altLang="en-US" smtClean="0"/>
-              <a:t>2017/8/20</a:t>
+              <a:t>2017/9/12</a:t>
             </a:fld>
             <a:endParaRPr lang="zh-CN" altLang="en-US"/>
           </a:p>
@@ -1017,7 +1017,7 @@
           <a:p>
             <a:fld id="{B6E59F9F-3752-44C4-97EA-805C9D53DCD1}" type="datetimeFigureOut">
               <a:rPr lang="zh-CN" altLang="en-US" smtClean="0"/>
-              <a:t>2017/8/20</a:t>
+              <a:t>2017/9/12</a:t>
             </a:fld>
             <a:endParaRPr lang="zh-CN" altLang="en-US"/>
           </a:p>
@@ -1249,7 +1249,7 @@
           <a:p>
             <a:fld id="{B6E59F9F-3752-44C4-97EA-805C9D53DCD1}" type="datetimeFigureOut">
               <a:rPr lang="zh-CN" altLang="en-US" smtClean="0"/>
-              <a:t>2017/8/20</a:t>
+              <a:t>2017/9/12</a:t>
             </a:fld>
             <a:endParaRPr lang="zh-CN" altLang="en-US"/>
           </a:p>
@@ -1616,7 +1616,7 @@
           <a:p>
             <a:fld id="{B6E59F9F-3752-44C4-97EA-805C9D53DCD1}" type="datetimeFigureOut">
               <a:rPr lang="zh-CN" altLang="en-US" smtClean="0"/>
-              <a:t>2017/8/20</a:t>
+              <a:t>2017/9/12</a:t>
             </a:fld>
             <a:endParaRPr lang="zh-CN" altLang="en-US"/>
           </a:p>
@@ -1734,7 +1734,7 @@
           <a:p>
             <a:fld id="{B6E59F9F-3752-44C4-97EA-805C9D53DCD1}" type="datetimeFigureOut">
               <a:rPr lang="zh-CN" altLang="en-US" smtClean="0"/>
-              <a:t>2017/8/20</a:t>
+              <a:t>2017/9/12</a:t>
             </a:fld>
             <a:endParaRPr lang="zh-CN" altLang="en-US"/>
           </a:p>
@@ -1829,7 +1829,7 @@
           <a:p>
             <a:fld id="{B6E59F9F-3752-44C4-97EA-805C9D53DCD1}" type="datetimeFigureOut">
               <a:rPr lang="zh-CN" altLang="en-US" smtClean="0"/>
-              <a:t>2017/8/20</a:t>
+              <a:t>2017/9/12</a:t>
             </a:fld>
             <a:endParaRPr lang="zh-CN" altLang="en-US"/>
           </a:p>
@@ -2106,7 +2106,7 @@
           <a:p>
             <a:fld id="{B6E59F9F-3752-44C4-97EA-805C9D53DCD1}" type="datetimeFigureOut">
               <a:rPr lang="zh-CN" altLang="en-US" smtClean="0"/>
-              <a:t>2017/8/20</a:t>
+              <a:t>2017/9/12</a:t>
             </a:fld>
             <a:endParaRPr lang="zh-CN" altLang="en-US"/>
           </a:p>
@@ -2363,7 +2363,7 @@
           <a:p>
             <a:fld id="{B6E59F9F-3752-44C4-97EA-805C9D53DCD1}" type="datetimeFigureOut">
               <a:rPr lang="zh-CN" altLang="en-US" smtClean="0"/>
-              <a:t>2017/8/20</a:t>
+              <a:t>2017/9/12</a:t>
             </a:fld>
             <a:endParaRPr lang="zh-CN" altLang="en-US"/>
           </a:p>
@@ -2576,7 +2576,7 @@
           <a:p>
             <a:fld id="{B6E59F9F-3752-44C4-97EA-805C9D53DCD1}" type="datetimeFigureOut">
               <a:rPr lang="zh-CN" altLang="en-US" smtClean="0"/>
-              <a:t>2017/8/20</a:t>
+              <a:t>2017/9/12</a:t>
             </a:fld>
             <a:endParaRPr lang="zh-CN" altLang="en-US"/>
           </a:p>
@@ -3245,7 +3245,7 @@
               <a:gd name="adj1" fmla="val -87097"/>
             </a:avLst>
           </a:prstGeom>
-          <a:ln>
+          <a:ln w="12700">
             <a:tailEnd type="triangle"/>
           </a:ln>
         </p:spPr>
@@ -3283,7 +3283,7 @@
               <a:gd name="adj1" fmla="val -87097"/>
             </a:avLst>
           </a:prstGeom>
-          <a:ln>
+          <a:ln w="12700">
             <a:tailEnd type="triangle"/>
           </a:ln>
         </p:spPr>
@@ -3321,7 +3321,7 @@
               <a:gd name="adj1" fmla="val -87097"/>
             </a:avLst>
           </a:prstGeom>
-          <a:ln>
+          <a:ln w="12700">
             <a:tailEnd type="triangle"/>
           </a:ln>
         </p:spPr>
@@ -3359,7 +3359,7 @@
               <a:gd name="adj1" fmla="val -87097"/>
             </a:avLst>
           </a:prstGeom>
-          <a:ln>
+          <a:ln w="12700">
             <a:tailEnd type="triangle"/>
           </a:ln>
         </p:spPr>
@@ -4314,7 +4314,7 @@
           <a:prstGeom prst="bentConnector4">
             <a:avLst>
               <a:gd name="adj1" fmla="val -72113"/>
-              <a:gd name="adj2" fmla="val 89181"/>
+              <a:gd name="adj2" fmla="val 89017"/>
             </a:avLst>
           </a:prstGeom>
           <a:ln w="12700">
@@ -6417,7 +6417,7 @@
         </p:nvSpPr>
         <p:spPr>
           <a:xfrm>
-            <a:off x="1058328" y="2810934"/>
+            <a:off x="2399618" y="1674709"/>
             <a:ext cx="1583271" cy="254000"/>
           </a:xfrm>
           <a:prstGeom prst="rect">
@@ -6466,7 +6466,7 @@
         </p:nvSpPr>
         <p:spPr>
           <a:xfrm>
-            <a:off x="1320796" y="3191933"/>
+            <a:off x="2662086" y="2055708"/>
             <a:ext cx="804340" cy="254000"/>
           </a:xfrm>
           <a:prstGeom prst="rect">
@@ -6515,7 +6515,7 @@
         </p:nvSpPr>
         <p:spPr>
           <a:xfrm>
-            <a:off x="1320796" y="3572934"/>
+            <a:off x="2662086" y="2436709"/>
             <a:ext cx="804340" cy="254000"/>
           </a:xfrm>
           <a:prstGeom prst="rect">
@@ -6564,7 +6564,7 @@
         </p:nvSpPr>
         <p:spPr>
           <a:xfrm>
-            <a:off x="1320796" y="3953933"/>
+            <a:off x="2662086" y="3209208"/>
             <a:ext cx="1574804" cy="254000"/>
           </a:xfrm>
           <a:prstGeom prst="rect">
@@ -6616,7 +6616,7 @@
         </p:nvCxnSpPr>
         <p:spPr>
           <a:xfrm rot="10800000" flipH="1" flipV="1">
-            <a:off x="1058328" y="2937933"/>
+            <a:off x="2399618" y="1801708"/>
             <a:ext cx="262468" cy="381001"/>
           </a:xfrm>
           <a:prstGeom prst="bentConnector3">
@@ -6624,7 +6624,7 @@
               <a:gd name="adj1" fmla="val -87096"/>
             </a:avLst>
           </a:prstGeom>
-          <a:ln>
+          <a:ln w="12700">
             <a:tailEnd type="triangle"/>
           </a:ln>
         </p:spPr>
@@ -6654,7 +6654,7 @@
         </p:nvCxnSpPr>
         <p:spPr>
           <a:xfrm rot="10800000" flipH="1" flipV="1">
-            <a:off x="1058328" y="2937933"/>
+            <a:off x="2399618" y="1801708"/>
             <a:ext cx="262468" cy="762000"/>
           </a:xfrm>
           <a:prstGeom prst="bentConnector3">
@@ -6662,7 +6662,7 @@
               <a:gd name="adj1" fmla="val -87096"/>
             </a:avLst>
           </a:prstGeom>
-          <a:ln>
+          <a:ln w="12700">
             <a:tailEnd type="triangle"/>
           </a:ln>
         </p:spPr>
@@ -6692,15 +6692,15 @@
         </p:nvCxnSpPr>
         <p:spPr>
           <a:xfrm rot="10800000" flipH="1" flipV="1">
-            <a:off x="1058328" y="2937932"/>
-            <a:ext cx="262468" cy="1143001"/>
+            <a:off x="2399618" y="1801708"/>
+            <a:ext cx="262468" cy="1534499"/>
           </a:xfrm>
           <a:prstGeom prst="bentConnector3">
             <a:avLst>
               <a:gd name="adj1" fmla="val -87096"/>
             </a:avLst>
           </a:prstGeom>
-          <a:ln>
+          <a:ln w="12700">
             <a:tailEnd type="triangle"/>
           </a:ln>
         </p:spPr>
@@ -6934,7 +6934,7 @@
               <a:gd name="adj1" fmla="val -87097"/>
             </a:avLst>
           </a:prstGeom>
-          <a:ln>
+          <a:ln w="12700">
             <a:tailEnd type="triangle"/>
           </a:ln>
         </p:spPr>
@@ -6972,7 +6972,7 @@
               <a:gd name="adj1" fmla="val -87097"/>
             </a:avLst>
           </a:prstGeom>
-          <a:ln>
+          <a:ln w="12700">
             <a:tailEnd type="triangle"/>
           </a:ln>
         </p:spPr>
@@ -7010,7 +7010,7 @@
               <a:gd name="adj1" fmla="val -87097"/>
             </a:avLst>
           </a:prstGeom>
-          <a:ln>
+          <a:ln w="12700">
             <a:tailEnd type="triangle"/>
           </a:ln>
         </p:spPr>
@@ -7244,7 +7244,7 @@
               <a:gd name="adj1" fmla="val -87097"/>
             </a:avLst>
           </a:prstGeom>
-          <a:ln>
+          <a:ln w="12700">
             <a:tailEnd type="triangle"/>
           </a:ln>
         </p:spPr>
@@ -7282,7 +7282,7 @@
               <a:gd name="adj1" fmla="val -87097"/>
             </a:avLst>
           </a:prstGeom>
-          <a:ln>
+          <a:ln w="12700">
             <a:tailEnd type="triangle"/>
           </a:ln>
         </p:spPr>
@@ -7320,7 +7320,7 @@
               <a:gd name="adj1" fmla="val -87097"/>
             </a:avLst>
           </a:prstGeom>
-          <a:ln>
+          <a:ln w="12700">
             <a:tailEnd type="triangle"/>
           </a:ln>
         </p:spPr>
@@ -7672,7 +7672,7 @@
               <a:gd name="adj1" fmla="val -87097"/>
             </a:avLst>
           </a:prstGeom>
-          <a:ln>
+          <a:ln w="12700">
             <a:tailEnd type="triangle"/>
           </a:ln>
         </p:spPr>
@@ -7710,7 +7710,7 @@
               <a:gd name="adj1" fmla="val -87097"/>
             </a:avLst>
           </a:prstGeom>
-          <a:ln>
+          <a:ln w="12700">
             <a:tailEnd type="triangle"/>
           </a:ln>
         </p:spPr>
@@ -7748,7 +7748,7 @@
               <a:gd name="adj1" fmla="val -87097"/>
             </a:avLst>
           </a:prstGeom>
-          <a:ln>
+          <a:ln w="12700">
             <a:tailEnd type="triangle"/>
           </a:ln>
         </p:spPr>
@@ -7786,7 +7786,7 @@
               <a:gd name="adj1" fmla="val -87097"/>
             </a:avLst>
           </a:prstGeom>
-          <a:ln>
+          <a:ln w="12700">
             <a:tailEnd type="triangle"/>
           </a:ln>
         </p:spPr>
@@ -7824,7 +7824,105 @@
               <a:gd name="adj1" fmla="val -87097"/>
             </a:avLst>
           </a:prstGeom>
-          <a:ln>
+          <a:ln w="12700">
+            <a:tailEnd type="triangle"/>
+          </a:ln>
+        </p:spPr>
+        <p:style>
+          <a:lnRef idx="1">
+            <a:schemeClr val="dk1"/>
+          </a:lnRef>
+          <a:fillRef idx="0">
+            <a:schemeClr val="dk1"/>
+          </a:fillRef>
+          <a:effectRef idx="0">
+            <a:schemeClr val="dk1"/>
+          </a:effectRef>
+          <a:fontRef idx="minor">
+            <a:schemeClr val="tx1"/>
+          </a:fontRef>
+        </p:style>
+      </p:cxnSp>
+      <p:sp>
+        <p:nvSpPr>
+          <p:cNvPr id="34" name="矩形 33"/>
+          <p:cNvSpPr/>
+          <p:nvPr/>
+        </p:nvSpPr>
+        <p:spPr>
+          <a:xfrm>
+            <a:off x="2662086" y="2829900"/>
+            <a:ext cx="804340" cy="254000"/>
+          </a:xfrm>
+          <a:prstGeom prst="rect">
+            <a:avLst/>
+          </a:prstGeom>
+        </p:spPr>
+        <p:style>
+          <a:lnRef idx="2">
+            <a:schemeClr val="dk1"/>
+          </a:lnRef>
+          <a:fillRef idx="1">
+            <a:schemeClr val="lt1"/>
+          </a:fillRef>
+          <a:effectRef idx="0">
+            <a:schemeClr val="dk1"/>
+          </a:effectRef>
+          <a:fontRef idx="minor">
+            <a:schemeClr val="dk1"/>
+          </a:fontRef>
+        </p:style>
+        <p:txBody>
+          <a:bodyPr rot="0" spcFirstLastPara="0" vertOverflow="overflow" horzOverflow="overflow" vert="horz" wrap="square" lIns="91440" tIns="45721" rIns="91440" bIns="45721" numCol="1" spcCol="0" rtlCol="0" fromWordArt="0" anchor="ctr" anchorCtr="0" forceAA="0" compatLnSpc="1">
+            <a:prstTxWarp prst="textNoShape">
+              <a:avLst/>
+            </a:prstTxWarp>
+            <a:noAutofit/>
+          </a:bodyPr>
+          <a:lstStyle/>
+          <a:p>
+            <a:pPr algn="ctr"/>
+            <a:r>
+              <a:rPr lang="zh-CN" altLang="en-US" sz="1200" dirty="0" smtClean="0">
+                <a:latin typeface="宋体" panose="02010600030101010101" pitchFamily="2" charset="-122"/>
+                <a:ea typeface="宋体" panose="02010600030101010101" pitchFamily="2" charset="-122"/>
+              </a:rPr>
+              <a:t>数据</a:t>
+            </a:r>
+            <a:r>
+              <a:rPr lang="zh-CN" altLang="en-US" sz="1200" dirty="0">
+                <a:latin typeface="宋体" panose="02010600030101010101" pitchFamily="2" charset="-122"/>
+                <a:ea typeface="宋体" panose="02010600030101010101" pitchFamily="2" charset="-122"/>
+              </a:rPr>
+              <a:t>备份</a:t>
+            </a:r>
+            <a:endParaRPr lang="zh-CN" altLang="en-US" sz="1200" dirty="0">
+              <a:latin typeface="宋体" panose="02010600030101010101" pitchFamily="2" charset="-122"/>
+              <a:ea typeface="宋体" panose="02010600030101010101" pitchFamily="2" charset="-122"/>
+            </a:endParaRPr>
+          </a:p>
+        </p:txBody>
+      </p:sp>
+      <p:cxnSp>
+        <p:nvCxnSpPr>
+          <p:cNvPr id="35" name="肘形连接符 34"/>
+          <p:cNvCxnSpPr>
+            <a:stCxn id="27" idx="1"/>
+            <a:endCxn id="34" idx="1"/>
+          </p:cNvCxnSpPr>
+          <p:nvPr/>
+        </p:nvCxnSpPr>
+        <p:spPr>
+          <a:xfrm rot="10800000" flipH="1" flipV="1">
+            <a:off x="2399618" y="1801708"/>
+            <a:ext cx="262468" cy="1155191"/>
+          </a:xfrm>
+          <a:prstGeom prst="bentConnector3">
+            <a:avLst>
+              <a:gd name="adj1" fmla="val -87096"/>
+            </a:avLst>
+          </a:prstGeom>
+          <a:ln w="12700">
             <a:tailEnd type="triangle"/>
           </a:ln>
         </p:spPr>
@@ -19029,6 +19127,565 @@
           </p:txBody>
         </p:sp>
       </p:grpSp>
+      <p:sp>
+        <p:nvSpPr>
+          <p:cNvPr id="26" name="圆角矩形 25"/>
+          <p:cNvSpPr/>
+          <p:nvPr/>
+        </p:nvSpPr>
+        <p:spPr>
+          <a:xfrm>
+            <a:off x="4487328" y="945879"/>
+            <a:ext cx="1778006" cy="254000"/>
+          </a:xfrm>
+          <a:prstGeom prst="roundRect">
+            <a:avLst/>
+          </a:prstGeom>
+        </p:spPr>
+        <p:style>
+          <a:lnRef idx="2">
+            <a:schemeClr val="dk1"/>
+          </a:lnRef>
+          <a:fillRef idx="1">
+            <a:schemeClr val="lt1"/>
+          </a:fillRef>
+          <a:effectRef idx="0">
+            <a:schemeClr val="dk1"/>
+          </a:effectRef>
+          <a:fontRef idx="minor">
+            <a:schemeClr val="dk1"/>
+          </a:fontRef>
+        </p:style>
+        <p:txBody>
+          <a:bodyPr rtlCol="0" anchor="ctr"/>
+          <a:lstStyle/>
+          <a:p>
+            <a:pPr algn="ctr"/>
+            <a:r>
+              <a:rPr lang="zh-CN" altLang="en-US" sz="1200" dirty="0" smtClean="0">
+                <a:latin typeface="宋体" panose="02010600030101010101" pitchFamily="2" charset="-122"/>
+                <a:ea typeface="宋体" panose="02010600030101010101" pitchFamily="2" charset="-122"/>
+              </a:rPr>
+              <a:t>进入</a:t>
+            </a:r>
+            <a:r>
+              <a:rPr lang="en-US" altLang="zh-CN" sz="1200" dirty="0" err="1" smtClean="0">
+                <a:latin typeface="宋体" panose="02010600030101010101" pitchFamily="2" charset="-122"/>
+                <a:ea typeface="宋体" panose="02010600030101010101" pitchFamily="2" charset="-122"/>
+              </a:rPr>
+              <a:t>backupData</a:t>
+            </a:r>
+            <a:r>
+              <a:rPr lang="en-US" altLang="zh-CN" sz="1200" dirty="0" smtClean="0">
+                <a:latin typeface="宋体" panose="02010600030101010101" pitchFamily="2" charset="-122"/>
+                <a:ea typeface="宋体" panose="02010600030101010101" pitchFamily="2" charset="-122"/>
+              </a:rPr>
+              <a:t>()</a:t>
+            </a:r>
+            <a:r>
+              <a:rPr lang="zh-CN" altLang="en-US" sz="1200" dirty="0" smtClean="0">
+                <a:latin typeface="宋体" panose="02010600030101010101" pitchFamily="2" charset="-122"/>
+                <a:ea typeface="宋体" panose="02010600030101010101" pitchFamily="2" charset="-122"/>
+              </a:rPr>
+              <a:t>函数</a:t>
+            </a:r>
+            <a:endParaRPr lang="zh-CN" altLang="en-US" sz="1200" dirty="0">
+              <a:latin typeface="宋体" panose="02010600030101010101" pitchFamily="2" charset="-122"/>
+              <a:ea typeface="宋体" panose="02010600030101010101" pitchFamily="2" charset="-122"/>
+            </a:endParaRPr>
+          </a:p>
+        </p:txBody>
+      </p:sp>
+      <p:sp>
+        <p:nvSpPr>
+          <p:cNvPr id="27" name="流程图: 决策 26"/>
+          <p:cNvSpPr/>
+          <p:nvPr/>
+        </p:nvSpPr>
+        <p:spPr>
+          <a:xfrm>
+            <a:off x="4356511" y="1422402"/>
+            <a:ext cx="2039640" cy="787400"/>
+          </a:xfrm>
+          <a:prstGeom prst="flowChartDecision">
+            <a:avLst/>
+          </a:prstGeom>
+        </p:spPr>
+        <p:style>
+          <a:lnRef idx="2">
+            <a:schemeClr val="dk1"/>
+          </a:lnRef>
+          <a:fillRef idx="1">
+            <a:schemeClr val="lt1"/>
+          </a:fillRef>
+          <a:effectRef idx="0">
+            <a:schemeClr val="dk1"/>
+          </a:effectRef>
+          <a:fontRef idx="minor">
+            <a:schemeClr val="dk1"/>
+          </a:fontRef>
+        </p:style>
+        <p:txBody>
+          <a:bodyPr rtlCol="0" anchor="ctr"/>
+          <a:lstStyle/>
+          <a:p>
+            <a:pPr lvl="0" algn="ctr"/>
+            <a:r>
+              <a:rPr lang="zh-CN" altLang="en-US" sz="1200" dirty="0">
+                <a:solidFill>
+                  <a:prstClr val="black"/>
+                </a:solidFill>
+                <a:latin typeface="宋体" panose="02010600030101010101" pitchFamily="2" charset="-122"/>
+                <a:ea typeface="宋体" panose="02010600030101010101" pitchFamily="2" charset="-122"/>
+              </a:rPr>
+              <a:t>路径下已经</a:t>
+            </a:r>
+            <a:r>
+              <a:rPr lang="zh-CN" altLang="en-US" sz="1200" dirty="0" smtClean="0">
+                <a:solidFill>
+                  <a:prstClr val="black"/>
+                </a:solidFill>
+                <a:latin typeface="宋体" panose="02010600030101010101" pitchFamily="2" charset="-122"/>
+                <a:ea typeface="宋体" panose="02010600030101010101" pitchFamily="2" charset="-122"/>
+              </a:rPr>
+              <a:t>有名为</a:t>
+            </a:r>
+            <a:r>
+              <a:rPr lang="en-US" altLang="zh-CN" sz="1200" dirty="0" err="1" smtClean="0">
+                <a:solidFill>
+                  <a:prstClr val="black"/>
+                </a:solidFill>
+                <a:latin typeface="Courier New" pitchFamily="49" charset="0"/>
+                <a:ea typeface="宋体" panose="02010600030101010101" pitchFamily="2" charset="-122"/>
+                <a:cs typeface="Courier New" pitchFamily="49" charset="0"/>
+              </a:rPr>
+              <a:t>bak</a:t>
+            </a:r>
+            <a:r>
+              <a:rPr lang="zh-CN" altLang="en-US" sz="1200" dirty="0" smtClean="0">
+                <a:solidFill>
+                  <a:prstClr val="black"/>
+                </a:solidFill>
+                <a:latin typeface="宋体" panose="02010600030101010101" pitchFamily="2" charset="-122"/>
+                <a:ea typeface="宋体" panose="02010600030101010101" pitchFamily="2" charset="-122"/>
+              </a:rPr>
+              <a:t>的文件夹？</a:t>
+            </a:r>
+            <a:endParaRPr lang="zh-CN" altLang="en-US" sz="1200" dirty="0">
+              <a:solidFill>
+                <a:prstClr val="black"/>
+              </a:solidFill>
+              <a:latin typeface="宋体" panose="02010600030101010101" pitchFamily="2" charset="-122"/>
+              <a:ea typeface="宋体" panose="02010600030101010101" pitchFamily="2" charset="-122"/>
+            </a:endParaRPr>
+          </a:p>
+        </p:txBody>
+      </p:sp>
+      <p:sp>
+        <p:nvSpPr>
+          <p:cNvPr id="31" name="圆角矩形 30"/>
+          <p:cNvSpPr/>
+          <p:nvPr/>
+        </p:nvSpPr>
+        <p:spPr>
+          <a:xfrm>
+            <a:off x="4724602" y="2429932"/>
+            <a:ext cx="1303457" cy="582082"/>
+          </a:xfrm>
+          <a:prstGeom prst="roundRect">
+            <a:avLst/>
+          </a:prstGeom>
+        </p:spPr>
+        <p:style>
+          <a:lnRef idx="2">
+            <a:schemeClr val="dk1"/>
+          </a:lnRef>
+          <a:fillRef idx="1">
+            <a:schemeClr val="lt1"/>
+          </a:fillRef>
+          <a:effectRef idx="0">
+            <a:schemeClr val="dk1"/>
+          </a:effectRef>
+          <a:fontRef idx="minor">
+            <a:schemeClr val="dk1"/>
+          </a:fontRef>
+        </p:style>
+        <p:txBody>
+          <a:bodyPr rtlCol="0" anchor="ctr"/>
+          <a:lstStyle/>
+          <a:p>
+            <a:pPr algn="ctr"/>
+            <a:r>
+              <a:rPr lang="zh-CN" altLang="en-US" sz="1200" dirty="0" smtClean="0">
+                <a:latin typeface="宋体" panose="02010600030101010101" pitchFamily="2" charset="-122"/>
+                <a:ea typeface="宋体" panose="02010600030101010101" pitchFamily="2" charset="-122"/>
+              </a:rPr>
+              <a:t>创建</a:t>
+            </a:r>
+            <a:r>
+              <a:rPr lang="en-US" altLang="zh-CN" sz="1200" dirty="0" err="1" smtClean="0">
+                <a:latin typeface="Courier New" pitchFamily="49" charset="0"/>
+                <a:ea typeface="宋体" panose="02010600030101010101" pitchFamily="2" charset="-122"/>
+                <a:cs typeface="Courier New" pitchFamily="49" charset="0"/>
+              </a:rPr>
+              <a:t>bak</a:t>
+            </a:r>
+            <a:r>
+              <a:rPr lang="zh-CN" altLang="en-US" sz="1200" dirty="0" smtClean="0">
+                <a:latin typeface="宋体" panose="02010600030101010101" pitchFamily="2" charset="-122"/>
+                <a:ea typeface="宋体" panose="02010600030101010101" pitchFamily="2" charset="-122"/>
+              </a:rPr>
+              <a:t>文件夹</a:t>
+            </a:r>
+            <a:endParaRPr lang="en-US" altLang="zh-CN" sz="1200" dirty="0" smtClean="0">
+              <a:latin typeface="宋体" panose="02010600030101010101" pitchFamily="2" charset="-122"/>
+              <a:ea typeface="宋体" panose="02010600030101010101" pitchFamily="2" charset="-122"/>
+            </a:endParaRPr>
+          </a:p>
+          <a:p>
+            <a:pPr algn="ctr"/>
+            <a:r>
+              <a:rPr lang="zh-CN" altLang="en-US" sz="1200" dirty="0" smtClean="0">
+                <a:latin typeface="宋体" panose="02010600030101010101" pitchFamily="2" charset="-122"/>
+                <a:ea typeface="宋体" panose="02010600030101010101" pitchFamily="2" charset="-122"/>
+              </a:rPr>
+              <a:t>（*</a:t>
+            </a:r>
+            <a:r>
+              <a:rPr lang="en-US" altLang="zh-CN" sz="1200" dirty="0" smtClean="0">
+                <a:latin typeface="宋体" panose="02010600030101010101" pitchFamily="2" charset="-122"/>
+                <a:ea typeface="宋体" panose="02010600030101010101" pitchFamily="2" charset="-122"/>
+              </a:rPr>
+              <a:t>nix</a:t>
+            </a:r>
+            <a:r>
+              <a:rPr lang="zh-CN" altLang="en-US" sz="1200" dirty="0" smtClean="0">
+                <a:latin typeface="宋体" panose="02010600030101010101" pitchFamily="2" charset="-122"/>
+                <a:ea typeface="宋体" panose="02010600030101010101" pitchFamily="2" charset="-122"/>
+              </a:rPr>
+              <a:t>下赋予</a:t>
+            </a:r>
+            <a:r>
+              <a:rPr lang="en-US" altLang="zh-CN" sz="1200" dirty="0" smtClean="0">
+                <a:latin typeface="宋体" panose="02010600030101010101" pitchFamily="2" charset="-122"/>
+                <a:ea typeface="宋体" panose="02010600030101010101" pitchFamily="2" charset="-122"/>
+              </a:rPr>
+              <a:t>755</a:t>
+            </a:r>
+            <a:r>
+              <a:rPr lang="zh-CN" altLang="en-US" sz="1200" dirty="0" smtClean="0">
+                <a:latin typeface="宋体" panose="02010600030101010101" pitchFamily="2" charset="-122"/>
+                <a:ea typeface="宋体" panose="02010600030101010101" pitchFamily="2" charset="-122"/>
+              </a:rPr>
+              <a:t>权限）</a:t>
+            </a:r>
+            <a:endParaRPr lang="zh-CN" altLang="en-US" sz="1200" dirty="0">
+              <a:latin typeface="宋体" panose="02010600030101010101" pitchFamily="2" charset="-122"/>
+              <a:ea typeface="宋体" panose="02010600030101010101" pitchFamily="2" charset="-122"/>
+            </a:endParaRPr>
+          </a:p>
+        </p:txBody>
+      </p:sp>
+      <p:sp>
+        <p:nvSpPr>
+          <p:cNvPr id="32" name="圆角矩形 31"/>
+          <p:cNvSpPr/>
+          <p:nvPr/>
+        </p:nvSpPr>
+        <p:spPr>
+          <a:xfrm>
+            <a:off x="4705550" y="3403124"/>
+            <a:ext cx="1341562" cy="482639"/>
+          </a:xfrm>
+          <a:prstGeom prst="roundRect">
+            <a:avLst/>
+          </a:prstGeom>
+        </p:spPr>
+        <p:style>
+          <a:lnRef idx="2">
+            <a:schemeClr val="dk1"/>
+          </a:lnRef>
+          <a:fillRef idx="1">
+            <a:schemeClr val="lt1"/>
+          </a:fillRef>
+          <a:effectRef idx="0">
+            <a:schemeClr val="dk1"/>
+          </a:effectRef>
+          <a:fontRef idx="minor">
+            <a:schemeClr val="dk1"/>
+          </a:fontRef>
+        </p:style>
+        <p:txBody>
+          <a:bodyPr rtlCol="0" anchor="ctr"/>
+          <a:lstStyle/>
+          <a:p>
+            <a:pPr algn="ctr"/>
+            <a:r>
+              <a:rPr lang="zh-CN" altLang="en-US" sz="1200" dirty="0" smtClean="0">
+                <a:latin typeface="宋体" panose="02010600030101010101" pitchFamily="2" charset="-122"/>
+                <a:ea typeface="宋体" panose="02010600030101010101" pitchFamily="2" charset="-122"/>
+              </a:rPr>
+              <a:t>调用</a:t>
+            </a:r>
+            <a:r>
+              <a:rPr lang="en-US" altLang="zh-CN" sz="1200" dirty="0" err="1" smtClean="0">
+                <a:latin typeface="宋体" panose="02010600030101010101" pitchFamily="2" charset="-122"/>
+                <a:ea typeface="宋体" panose="02010600030101010101" pitchFamily="2" charset="-122"/>
+              </a:rPr>
+              <a:t>saveData</a:t>
+            </a:r>
+            <a:r>
+              <a:rPr lang="en-US" altLang="zh-CN" sz="1200" dirty="0" smtClean="0">
+                <a:latin typeface="宋体" panose="02010600030101010101" pitchFamily="2" charset="-122"/>
+                <a:ea typeface="宋体" panose="02010600030101010101" pitchFamily="2" charset="-122"/>
+              </a:rPr>
+              <a:t>()</a:t>
+            </a:r>
+            <a:r>
+              <a:rPr lang="zh-CN" altLang="en-US" sz="1200" dirty="0" smtClean="0">
+                <a:latin typeface="宋体" panose="02010600030101010101" pitchFamily="2" charset="-122"/>
+                <a:ea typeface="宋体" panose="02010600030101010101" pitchFamily="2" charset="-122"/>
+              </a:rPr>
+              <a:t>函数，保存数据</a:t>
+            </a:r>
+            <a:endParaRPr lang="zh-CN" altLang="en-US" sz="1200" dirty="0">
+              <a:latin typeface="宋体" panose="02010600030101010101" pitchFamily="2" charset="-122"/>
+              <a:ea typeface="宋体" panose="02010600030101010101" pitchFamily="2" charset="-122"/>
+            </a:endParaRPr>
+          </a:p>
+        </p:txBody>
+      </p:sp>
+      <p:sp>
+        <p:nvSpPr>
+          <p:cNvPr id="35" name="圆角矩形 34"/>
+          <p:cNvSpPr/>
+          <p:nvPr/>
+        </p:nvSpPr>
+        <p:spPr>
+          <a:xfrm>
+            <a:off x="5092694" y="4114361"/>
+            <a:ext cx="567274" cy="254000"/>
+          </a:xfrm>
+          <a:prstGeom prst="roundRect">
+            <a:avLst/>
+          </a:prstGeom>
+        </p:spPr>
+        <p:style>
+          <a:lnRef idx="2">
+            <a:schemeClr val="dk1"/>
+          </a:lnRef>
+          <a:fillRef idx="1">
+            <a:schemeClr val="lt1"/>
+          </a:fillRef>
+          <a:effectRef idx="0">
+            <a:schemeClr val="dk1"/>
+          </a:effectRef>
+          <a:fontRef idx="minor">
+            <a:schemeClr val="dk1"/>
+          </a:fontRef>
+        </p:style>
+        <p:txBody>
+          <a:bodyPr rtlCol="0" anchor="ctr"/>
+          <a:lstStyle/>
+          <a:p>
+            <a:pPr algn="ctr"/>
+            <a:r>
+              <a:rPr lang="zh-CN" altLang="en-US" sz="1200" dirty="0" smtClean="0">
+                <a:latin typeface="宋体" panose="02010600030101010101" pitchFamily="2" charset="-122"/>
+                <a:ea typeface="宋体" panose="02010600030101010101" pitchFamily="2" charset="-122"/>
+              </a:rPr>
+              <a:t>返回</a:t>
+            </a:r>
+            <a:endParaRPr lang="zh-CN" altLang="en-US" sz="1200" dirty="0">
+              <a:latin typeface="宋体" panose="02010600030101010101" pitchFamily="2" charset="-122"/>
+              <a:ea typeface="宋体" panose="02010600030101010101" pitchFamily="2" charset="-122"/>
+            </a:endParaRPr>
+          </a:p>
+        </p:txBody>
+      </p:sp>
+      <p:cxnSp>
+        <p:nvCxnSpPr>
+          <p:cNvPr id="36" name="直接箭头连接符 35"/>
+          <p:cNvCxnSpPr>
+            <a:stCxn id="26" idx="2"/>
+            <a:endCxn id="27" idx="0"/>
+          </p:cNvCxnSpPr>
+          <p:nvPr/>
+        </p:nvCxnSpPr>
+        <p:spPr>
+          <a:xfrm>
+            <a:off x="5376331" y="1199879"/>
+            <a:ext cx="0" cy="222523"/>
+          </a:xfrm>
+          <a:prstGeom prst="straightConnector1">
+            <a:avLst/>
+          </a:prstGeom>
+          <a:ln w="12700">
+            <a:tailEnd type="triangle"/>
+          </a:ln>
+        </p:spPr>
+        <p:style>
+          <a:lnRef idx="1">
+            <a:schemeClr val="dk1"/>
+          </a:lnRef>
+          <a:fillRef idx="0">
+            <a:schemeClr val="dk1"/>
+          </a:fillRef>
+          <a:effectRef idx="0">
+            <a:schemeClr val="dk1"/>
+          </a:effectRef>
+          <a:fontRef idx="minor">
+            <a:schemeClr val="tx1"/>
+          </a:fontRef>
+        </p:style>
+      </p:cxnSp>
+      <p:cxnSp>
+        <p:nvCxnSpPr>
+          <p:cNvPr id="37" name="肘形连接符 36"/>
+          <p:cNvCxnSpPr>
+            <a:stCxn id="27" idx="1"/>
+            <a:endCxn id="32" idx="0"/>
+          </p:cNvCxnSpPr>
+          <p:nvPr/>
+        </p:nvCxnSpPr>
+        <p:spPr>
+          <a:xfrm rot="10800000" flipH="1" flipV="1">
+            <a:off x="4356511" y="1816102"/>
+            <a:ext cx="1019820" cy="1587022"/>
+          </a:xfrm>
+          <a:prstGeom prst="bentConnector4">
+            <a:avLst>
+              <a:gd name="adj1" fmla="val -22416"/>
+              <a:gd name="adj2" fmla="val 86944"/>
+            </a:avLst>
+          </a:prstGeom>
+          <a:ln w="12700">
+            <a:tailEnd type="triangle"/>
+          </a:ln>
+        </p:spPr>
+        <p:style>
+          <a:lnRef idx="1">
+            <a:schemeClr val="dk1"/>
+          </a:lnRef>
+          <a:fillRef idx="0">
+            <a:schemeClr val="dk1"/>
+          </a:fillRef>
+          <a:effectRef idx="0">
+            <a:schemeClr val="dk1"/>
+          </a:effectRef>
+          <a:fontRef idx="minor">
+            <a:schemeClr val="tx1"/>
+          </a:fontRef>
+        </p:style>
+      </p:cxnSp>
+      <p:cxnSp>
+        <p:nvCxnSpPr>
+          <p:cNvPr id="38" name="直接箭头连接符 37"/>
+          <p:cNvCxnSpPr>
+            <a:stCxn id="27" idx="2"/>
+            <a:endCxn id="31" idx="0"/>
+          </p:cNvCxnSpPr>
+          <p:nvPr/>
+        </p:nvCxnSpPr>
+        <p:spPr>
+          <a:xfrm>
+            <a:off x="5376331" y="2209802"/>
+            <a:ext cx="0" cy="220130"/>
+          </a:xfrm>
+          <a:prstGeom prst="straightConnector1">
+            <a:avLst/>
+          </a:prstGeom>
+          <a:ln w="12700">
+            <a:tailEnd type="triangle"/>
+          </a:ln>
+        </p:spPr>
+        <p:style>
+          <a:lnRef idx="1">
+            <a:schemeClr val="dk1"/>
+          </a:lnRef>
+          <a:fillRef idx="0">
+            <a:schemeClr val="dk1"/>
+          </a:fillRef>
+          <a:effectRef idx="0">
+            <a:schemeClr val="dk1"/>
+          </a:effectRef>
+          <a:fontRef idx="minor">
+            <a:schemeClr val="tx1"/>
+          </a:fontRef>
+        </p:style>
+      </p:cxnSp>
+      <p:cxnSp>
+        <p:nvCxnSpPr>
+          <p:cNvPr id="40" name="直接箭头连接符 39"/>
+          <p:cNvCxnSpPr>
+            <a:stCxn id="31" idx="2"/>
+            <a:endCxn id="32" idx="0"/>
+          </p:cNvCxnSpPr>
+          <p:nvPr/>
+        </p:nvCxnSpPr>
+        <p:spPr>
+          <a:xfrm>
+            <a:off x="5376331" y="3012014"/>
+            <a:ext cx="0" cy="391110"/>
+          </a:xfrm>
+          <a:prstGeom prst="straightConnector1">
+            <a:avLst/>
+          </a:prstGeom>
+          <a:ln w="12700">
+            <a:tailEnd type="triangle"/>
+          </a:ln>
+        </p:spPr>
+        <p:style>
+          <a:lnRef idx="1">
+            <a:schemeClr val="dk1"/>
+          </a:lnRef>
+          <a:fillRef idx="0">
+            <a:schemeClr val="dk1"/>
+          </a:fillRef>
+          <a:effectRef idx="0">
+            <a:schemeClr val="dk1"/>
+          </a:effectRef>
+          <a:fontRef idx="minor">
+            <a:schemeClr val="tx1"/>
+          </a:fontRef>
+        </p:style>
+      </p:cxnSp>
+      <p:cxnSp>
+        <p:nvCxnSpPr>
+          <p:cNvPr id="43" name="直接箭头连接符 42"/>
+          <p:cNvCxnSpPr>
+            <a:stCxn id="32" idx="2"/>
+            <a:endCxn id="35" idx="0"/>
+          </p:cNvCxnSpPr>
+          <p:nvPr/>
+        </p:nvCxnSpPr>
+        <p:spPr>
+          <a:xfrm>
+            <a:off x="5376331" y="3885763"/>
+            <a:ext cx="0" cy="228598"/>
+          </a:xfrm>
+          <a:prstGeom prst="straightConnector1">
+            <a:avLst/>
+          </a:prstGeom>
+          <a:ln w="12700">
+            <a:tailEnd type="triangle"/>
+          </a:ln>
+        </p:spPr>
+        <p:style>
+          <a:lnRef idx="1">
+            <a:schemeClr val="dk1"/>
+          </a:lnRef>
+          <a:fillRef idx="0">
+            <a:schemeClr val="dk1"/>
+          </a:fillRef>
+          <a:effectRef idx="0">
+            <a:schemeClr val="dk1"/>
+          </a:effectRef>
+          <a:fontRef idx="minor">
+            <a:schemeClr val="tx1"/>
+          </a:fontRef>
+        </p:style>
+      </p:cxnSp>
     </p:spTree>
     <p:extLst>
       <p:ext uri="{BB962C8B-B14F-4D97-AF65-F5344CB8AC3E}">
@@ -21795,7 +22452,7 @@
     </a:clrScheme>
     <a:fontScheme name="Office 主题​​">
       <a:majorFont>
-        <a:latin typeface="Calibri Light" panose="020F0302020204030204"/>
+        <a:latin typeface="Calibri Light"/>
         <a:ea typeface=""/>
         <a:cs typeface=""/>
         <a:font script="Jpan" typeface="游ゴシック Light"/>
@@ -21830,7 +22487,7 @@
         <a:font script="Geor" typeface="Sylfaen"/>
       </a:majorFont>
       <a:minorFont>
-        <a:latin typeface="Calibri" panose="020F0502020204030204"/>
+        <a:latin typeface="Calibri"/>
         <a:ea typeface=""/>
         <a:cs typeface=""/>
         <a:font script="Jpan" typeface="游ゴシック"/>
@@ -22007,7 +22664,7 @@
   <a:extraClrSchemeLst/>
   <a:extLst>
     <a:ext uri="{05A4C25C-085E-4340-85A3-A5531E510DB2}">
-      <thm15:themeFamily xmlns:thm15="http://schemas.microsoft.com/office/thememl/2012/main" name="Office Theme" id="{62F939B6-93AF-4DB8-9C6B-D6C7DFDC589F}" vid="{4A3C46E8-61CC-4603-A589-7422A47A8E4A}"/>
+      <thm15:themeFamily xmlns:thm15="http://schemas.microsoft.com/office/thememl/2012/main" xmlns="" name="Office Theme" id="{62F939B6-93AF-4DB8-9C6B-D6C7DFDC589F}" vid="{4A3C46E8-61CC-4603-A589-7422A47A8E4A}"/>
     </a:ext>
   </a:extLst>
 </a:theme>
